--- a/(宣道詩130)像基督.pptx
+++ b/(宣道詩130)像基督.pptx
@@ -2,7 +2,7 @@
 <file path=ppt/presentation.xml><?xml version="1.0" encoding="utf-8"?>
 <p:presentation xmlns:a="http://schemas.openxmlformats.org/drawingml/2006/main" xmlns:r="http://schemas.openxmlformats.org/officeDocument/2006/relationships" xmlns:p="http://schemas.openxmlformats.org/presentationml/2006/main" saveSubsetFonts="1">
   <p:sldMasterIdLst>
-    <p:sldMasterId id="2147483660" r:id="rId1"/>
+    <p:sldMasterId id="2147483672" r:id="rId1"/>
   </p:sldMasterIdLst>
   <p:sldIdLst>
     <p:sldId id="256" r:id="rId2"/>
@@ -131,7 +131,7 @@
       </p:grpSpPr>
       <p:sp>
         <p:nvSpPr>
-          <p:cNvPr id="2" name="図形 1"/>
+          <p:cNvPr id="2" name="標題 1"/>
           <p:cNvSpPr>
             <a:spLocks noGrp="1"/>
           </p:cNvSpPr>
@@ -141,8 +141,8 @@
         </p:nvSpPr>
         <p:spPr>
           <a:xfrm>
-            <a:off x="928662" y="1928803"/>
-            <a:ext cx="7172348" cy="1470025"/>
+            <a:off x="685800" y="2130425"/>
+            <a:ext cx="7772400" cy="1470025"/>
           </a:xfrm>
         </p:spPr>
         <p:txBody>
@@ -150,16 +150,16 @@
           <a:lstStyle/>
           <a:p>
             <a:r>
-              <a:rPr kumimoji="1" lang="zh-TW" altLang="en-US" smtClean="0"/>
+              <a:rPr lang="zh-TW" altLang="en-US" smtClean="0"/>
               <a:t>按一下以編輯母片標題樣式</a:t>
             </a:r>
-            <a:endParaRPr kumimoji="1" lang="ja-JP" altLang="en-US" dirty="0"/>
-          </a:p>
-        </p:txBody>
-      </p:sp>
-      <p:sp>
-        <p:nvSpPr>
-          <p:cNvPr id="8" name="図形 7"/>
+            <a:endParaRPr lang="zh-TW" altLang="en-US"/>
+          </a:p>
+        </p:txBody>
+      </p:sp>
+      <p:sp>
+        <p:nvSpPr>
+          <p:cNvPr id="3" name="副標題 2"/>
           <p:cNvSpPr>
             <a:spLocks noGrp="1"/>
           </p:cNvSpPr>
@@ -169,8 +169,8 @@
         </p:nvSpPr>
         <p:spPr>
           <a:xfrm>
-            <a:off x="1371600" y="3643314"/>
-            <a:ext cx="6400800" cy="1285884"/>
+            <a:off x="1371600" y="3886200"/>
+            <a:ext cx="6400800" cy="1752600"/>
           </a:xfrm>
         </p:spPr>
         <p:txBody>
@@ -180,7 +180,9 @@
               <a:buNone/>
               <a:defRPr>
                 <a:solidFill>
-                  <a:schemeClr val="tx2"/>
+                  <a:schemeClr val="tx1">
+                    <a:tint val="75000"/>
+                  </a:schemeClr>
                 </a:solidFill>
               </a:defRPr>
             </a:lvl1pPr>
@@ -267,16 +269,16 @@
           </a:lstStyle>
           <a:p>
             <a:r>
-              <a:rPr kumimoji="1" lang="zh-TW" altLang="en-US" smtClean="0"/>
+              <a:rPr lang="zh-TW" altLang="en-US" smtClean="0"/>
               <a:t>按一下以編輯母片副標題樣式</a:t>
             </a:r>
-            <a:endParaRPr kumimoji="1" lang="ja-JP" altLang="en-US" dirty="0"/>
-          </a:p>
-        </p:txBody>
-      </p:sp>
-      <p:sp>
-        <p:nvSpPr>
-          <p:cNvPr id="12" name="図形 11"/>
+            <a:endParaRPr lang="zh-TW" altLang="en-US"/>
+          </a:p>
+        </p:txBody>
+      </p:sp>
+      <p:sp>
+        <p:nvSpPr>
+          <p:cNvPr id="4" name="日期版面配置區 3"/>
           <p:cNvSpPr>
             <a:spLocks noGrp="1"/>
           </p:cNvSpPr>
@@ -291,7 +293,8 @@
           <a:p>
             <a:fld id="{D33DC525-72F4-4C64-B99D-0B22188FF31E}" type="datetimeFigureOut">
               <a:rPr lang="zh-TW" altLang="en-US" smtClean="0"/>
-              <a:t>2016/9/4</a:t>
+              <a:pPr/>
+              <a:t>2019/2/10</a:t>
             </a:fld>
             <a:endParaRPr lang="zh-TW" altLang="en-US"/>
           </a:p>
@@ -299,7 +302,7 @@
       </p:sp>
       <p:sp>
         <p:nvSpPr>
-          <p:cNvPr id="11" name="図形 10"/>
+          <p:cNvPr id="5" name="頁尾版面配置區 4"/>
           <p:cNvSpPr>
             <a:spLocks noGrp="1"/>
           </p:cNvSpPr>
@@ -318,7 +321,7 @@
       </p:sp>
       <p:sp>
         <p:nvSpPr>
-          <p:cNvPr id="18" name="図形 17"/>
+          <p:cNvPr id="6" name="投影片編號版面配置區 5"/>
           <p:cNvSpPr>
             <a:spLocks noGrp="1"/>
           </p:cNvSpPr>
@@ -333,6 +336,7 @@
           <a:p>
             <a:fld id="{5EE5032E-8A12-4F9A-87EB-E0C475E91D23}" type="slidenum">
               <a:rPr lang="zh-TW" altLang="en-US" smtClean="0"/>
+              <a:pPr/>
               <a:t>‹#›</a:t>
             </a:fld>
             <a:endParaRPr lang="zh-TW" altLang="en-US"/>
@@ -348,7 +352,7 @@
 </file>
 
 <file path=ppt/slideLayouts/slideLayout10.xml><?xml version="1.0" encoding="utf-8"?>
-<p:sldLayout xmlns:a="http://schemas.openxmlformats.org/drawingml/2006/main" xmlns:r="http://schemas.openxmlformats.org/officeDocument/2006/relationships" xmlns:p="http://schemas.openxmlformats.org/presentationml/2006/main" showMasterSp="0" type="vertTx" preserve="1">
+<p:sldLayout xmlns:a="http://schemas.openxmlformats.org/drawingml/2006/main" xmlns:r="http://schemas.openxmlformats.org/officeDocument/2006/relationships" xmlns:p="http://schemas.openxmlformats.org/presentationml/2006/main" type="vertTx" preserve="1">
   <p:cSld name="標題及直排文字">
     <p:spTree>
       <p:nvGrpSpPr>
@@ -366,7 +370,7 @@
       </p:grpSpPr>
       <p:sp>
         <p:nvSpPr>
-          <p:cNvPr id="2" name="図形 1"/>
+          <p:cNvPr id="2" name="標題 1"/>
           <p:cNvSpPr>
             <a:spLocks noGrp="1"/>
           </p:cNvSpPr>
@@ -374,27 +378,22 @@
             <p:ph type="title"/>
           </p:nvPr>
         </p:nvSpPr>
-        <p:spPr>
-          <a:xfrm>
-            <a:off x="671514" y="274638"/>
-            <a:ext cx="7829576" cy="1011222"/>
-          </a:xfrm>
-        </p:spPr>
-        <p:txBody>
-          <a:bodyPr/>
-          <a:lstStyle/>
-          <a:p>
-            <a:r>
-              <a:rPr kumimoji="1" lang="zh-TW" altLang="en-US" smtClean="0"/>
+        <p:spPr/>
+        <p:txBody>
+          <a:bodyPr/>
+          <a:lstStyle/>
+          <a:p>
+            <a:r>
+              <a:rPr lang="zh-TW" altLang="en-US" smtClean="0"/>
               <a:t>按一下以編輯母片標題樣式</a:t>
             </a:r>
-            <a:endParaRPr kumimoji="1" lang="ja-JP" altLang="en-US" dirty="0"/>
-          </a:p>
-        </p:txBody>
-      </p:sp>
-      <p:sp>
-        <p:nvSpPr>
-          <p:cNvPr id="3" name="図形 2"/>
+            <a:endParaRPr lang="zh-TW" altLang="en-US"/>
+          </a:p>
+        </p:txBody>
+      </p:sp>
+      <p:sp>
+        <p:nvSpPr>
+          <p:cNvPr id="3" name="直排文字版面配置區 2"/>
           <p:cNvSpPr>
             <a:spLocks noGrp="1"/>
           </p:cNvSpPr>
@@ -402,56 +401,51 @@
             <p:ph type="body" orient="vert" idx="1"/>
           </p:nvPr>
         </p:nvSpPr>
-        <p:spPr>
-          <a:xfrm>
-            <a:off x="671514" y="1285860"/>
-            <a:ext cx="7829576" cy="4357718"/>
-          </a:xfrm>
-        </p:spPr>
+        <p:spPr/>
         <p:txBody>
           <a:bodyPr vert="eaVert"/>
           <a:lstStyle/>
           <a:p>
             <a:pPr lvl="0"/>
             <a:r>
-              <a:rPr kumimoji="1" lang="zh-TW" altLang="en-US" smtClean="0"/>
+              <a:rPr lang="zh-TW" altLang="en-US" smtClean="0"/>
               <a:t>按一下以編輯母片文字樣式</a:t>
             </a:r>
           </a:p>
           <a:p>
             <a:pPr lvl="1"/>
             <a:r>
-              <a:rPr kumimoji="1" lang="zh-TW" altLang="en-US" smtClean="0"/>
+              <a:rPr lang="zh-TW" altLang="en-US" smtClean="0"/>
               <a:t>第二層</a:t>
             </a:r>
           </a:p>
           <a:p>
             <a:pPr lvl="2"/>
             <a:r>
-              <a:rPr kumimoji="1" lang="zh-TW" altLang="en-US" smtClean="0"/>
+              <a:rPr lang="zh-TW" altLang="en-US" smtClean="0"/>
               <a:t>第三層</a:t>
             </a:r>
           </a:p>
           <a:p>
             <a:pPr lvl="3"/>
             <a:r>
-              <a:rPr kumimoji="1" lang="zh-TW" altLang="en-US" smtClean="0"/>
+              <a:rPr lang="zh-TW" altLang="en-US" smtClean="0"/>
               <a:t>第四層</a:t>
             </a:r>
           </a:p>
           <a:p>
             <a:pPr lvl="4"/>
             <a:r>
-              <a:rPr kumimoji="1" lang="zh-TW" altLang="en-US" smtClean="0"/>
+              <a:rPr lang="zh-TW" altLang="en-US" smtClean="0"/>
               <a:t>第五層</a:t>
             </a:r>
-            <a:endParaRPr kumimoji="1" lang="ja-JP" altLang="en-US" dirty="0"/>
-          </a:p>
-        </p:txBody>
-      </p:sp>
-      <p:sp>
-        <p:nvSpPr>
-          <p:cNvPr id="4" name="図形 3"/>
+            <a:endParaRPr lang="zh-TW" altLang="en-US"/>
+          </a:p>
+        </p:txBody>
+      </p:sp>
+      <p:sp>
+        <p:nvSpPr>
+          <p:cNvPr id="4" name="日期版面配置區 3"/>
           <p:cNvSpPr>
             <a:spLocks noGrp="1"/>
           </p:cNvSpPr>
@@ -466,7 +460,8 @@
           <a:p>
             <a:fld id="{D33DC525-72F4-4C64-B99D-0B22188FF31E}" type="datetimeFigureOut">
               <a:rPr lang="zh-TW" altLang="en-US" smtClean="0"/>
-              <a:t>2016/9/4</a:t>
+              <a:pPr/>
+              <a:t>2019/2/10</a:t>
             </a:fld>
             <a:endParaRPr lang="zh-TW" altLang="en-US"/>
           </a:p>
@@ -474,7 +469,7 @@
       </p:sp>
       <p:sp>
         <p:nvSpPr>
-          <p:cNvPr id="5" name="図形 4"/>
+          <p:cNvPr id="5" name="頁尾版面配置區 4"/>
           <p:cNvSpPr>
             <a:spLocks noGrp="1"/>
           </p:cNvSpPr>
@@ -493,7 +488,7 @@
       </p:sp>
       <p:sp>
         <p:nvSpPr>
-          <p:cNvPr id="6" name="図形 5"/>
+          <p:cNvPr id="6" name="投影片編號版面配置區 5"/>
           <p:cNvSpPr>
             <a:spLocks noGrp="1"/>
           </p:cNvSpPr>
@@ -508,6 +503,7 @@
           <a:p>
             <a:fld id="{5EE5032E-8A12-4F9A-87EB-E0C475E91D23}" type="slidenum">
               <a:rPr lang="zh-TW" altLang="en-US" smtClean="0"/>
+              <a:pPr/>
               <a:t>‹#›</a:t>
             </a:fld>
             <a:endParaRPr lang="zh-TW" altLang="en-US"/>
@@ -523,7 +519,7 @@
 </file>
 
 <file path=ppt/slideLayouts/slideLayout11.xml><?xml version="1.0" encoding="utf-8"?>
-<p:sldLayout xmlns:a="http://schemas.openxmlformats.org/drawingml/2006/main" xmlns:r="http://schemas.openxmlformats.org/officeDocument/2006/relationships" xmlns:p="http://schemas.openxmlformats.org/presentationml/2006/main" showMasterSp="0" type="vertTitleAndTx" preserve="1">
+<p:sldLayout xmlns:a="http://schemas.openxmlformats.org/drawingml/2006/main" xmlns:r="http://schemas.openxmlformats.org/officeDocument/2006/relationships" xmlns:p="http://schemas.openxmlformats.org/presentationml/2006/main" type="vertTitleAndTx" preserve="1">
   <p:cSld name="直排標題及文字">
     <p:spTree>
       <p:nvGrpSpPr>
@@ -541,7 +537,7 @@
       </p:grpSpPr>
       <p:sp>
         <p:nvSpPr>
-          <p:cNvPr id="2" name="図形 1"/>
+          <p:cNvPr id="2" name="直排標題 1"/>
           <p:cNvSpPr>
             <a:spLocks noGrp="1"/>
           </p:cNvSpPr>
@@ -551,54 +547,25 @@
         </p:nvSpPr>
         <p:spPr>
           <a:xfrm>
-            <a:off x="6643702" y="285730"/>
-            <a:ext cx="1785950" cy="5565797"/>
+            <a:off x="6629400" y="274638"/>
+            <a:ext cx="2057400" cy="5851525"/>
           </a:xfrm>
         </p:spPr>
         <p:txBody>
           <a:bodyPr vert="eaVert"/>
-          <a:lstStyle>
-            <a:lvl1pPr>
-              <a:defRPr>
-                <a:gradFill flip="none" rotWithShape="1">
-                  <a:gsLst>
-                    <a:gs pos="0">
-                      <a:schemeClr val="tx1">
-                        <a:tint val="65000"/>
-                      </a:schemeClr>
-                    </a:gs>
-                    <a:gs pos="49900">
-                      <a:schemeClr val="tx1">
-                        <a:tint val="95000"/>
-                      </a:schemeClr>
-                    </a:gs>
-                    <a:gs pos="50000">
-                      <a:schemeClr val="tx1"/>
-                    </a:gs>
-                    <a:gs pos="100000">
-                      <a:schemeClr val="tx1">
-                        <a:tint val="95000"/>
-                      </a:schemeClr>
-                    </a:gs>
-                  </a:gsLst>
-                  <a:lin ang="5400000" scaled="1"/>
-                  <a:tileRect/>
-                </a:gradFill>
-              </a:defRPr>
-            </a:lvl1pPr>
-          </a:lstStyle>
-          <a:p>
-            <a:r>
-              <a:rPr kumimoji="1" lang="zh-TW" altLang="en-US" smtClean="0"/>
+          <a:lstStyle/>
+          <a:p>
+            <a:r>
+              <a:rPr lang="zh-TW" altLang="en-US" smtClean="0"/>
               <a:t>按一下以編輯母片標題樣式</a:t>
             </a:r>
-            <a:endParaRPr kumimoji="1" lang="ja-JP" altLang="en-US" dirty="0"/>
-          </a:p>
-        </p:txBody>
-      </p:sp>
-      <p:sp>
-        <p:nvSpPr>
-          <p:cNvPr id="3" name="図形 2"/>
+            <a:endParaRPr lang="zh-TW" altLang="en-US"/>
+          </a:p>
+        </p:txBody>
+      </p:sp>
+      <p:sp>
+        <p:nvSpPr>
+          <p:cNvPr id="3" name="直排文字版面配置區 2"/>
           <p:cNvSpPr>
             <a:spLocks noGrp="1"/>
           </p:cNvSpPr>
@@ -608,8 +575,8 @@
         </p:nvSpPr>
         <p:spPr>
           <a:xfrm>
-            <a:off x="642910" y="274640"/>
-            <a:ext cx="5834090" cy="5583253"/>
+            <a:off x="457200" y="274638"/>
+            <a:ext cx="6019800" cy="5851525"/>
           </a:xfrm>
         </p:spPr>
         <p:txBody>
@@ -618,44 +585,44 @@
           <a:p>
             <a:pPr lvl="0"/>
             <a:r>
-              <a:rPr kumimoji="1" lang="zh-TW" altLang="en-US" smtClean="0"/>
+              <a:rPr lang="zh-TW" altLang="en-US" smtClean="0"/>
               <a:t>按一下以編輯母片文字樣式</a:t>
             </a:r>
           </a:p>
           <a:p>
             <a:pPr lvl="1"/>
             <a:r>
-              <a:rPr kumimoji="1" lang="zh-TW" altLang="en-US" smtClean="0"/>
+              <a:rPr lang="zh-TW" altLang="en-US" smtClean="0"/>
               <a:t>第二層</a:t>
             </a:r>
           </a:p>
           <a:p>
             <a:pPr lvl="2"/>
             <a:r>
-              <a:rPr kumimoji="1" lang="zh-TW" altLang="en-US" smtClean="0"/>
+              <a:rPr lang="zh-TW" altLang="en-US" smtClean="0"/>
               <a:t>第三層</a:t>
             </a:r>
           </a:p>
           <a:p>
             <a:pPr lvl="3"/>
             <a:r>
-              <a:rPr kumimoji="1" lang="zh-TW" altLang="en-US" smtClean="0"/>
+              <a:rPr lang="zh-TW" altLang="en-US" smtClean="0"/>
               <a:t>第四層</a:t>
             </a:r>
           </a:p>
           <a:p>
             <a:pPr lvl="4"/>
             <a:r>
-              <a:rPr kumimoji="1" lang="zh-TW" altLang="en-US" smtClean="0"/>
+              <a:rPr lang="zh-TW" altLang="en-US" smtClean="0"/>
               <a:t>第五層</a:t>
             </a:r>
-            <a:endParaRPr kumimoji="1" lang="ja-JP" altLang="en-US" dirty="0"/>
-          </a:p>
-        </p:txBody>
-      </p:sp>
-      <p:sp>
-        <p:nvSpPr>
-          <p:cNvPr id="4" name="図形 3"/>
+            <a:endParaRPr lang="zh-TW" altLang="en-US"/>
+          </a:p>
+        </p:txBody>
+      </p:sp>
+      <p:sp>
+        <p:nvSpPr>
+          <p:cNvPr id="4" name="日期版面配置區 3"/>
           <p:cNvSpPr>
             <a:spLocks noGrp="1"/>
           </p:cNvSpPr>
@@ -663,19 +630,15 @@
             <p:ph type="dt" sz="half" idx="10"/>
           </p:nvPr>
         </p:nvSpPr>
-        <p:spPr>
-          <a:xfrm>
-            <a:off x="652450" y="6356350"/>
-            <a:ext cx="2133600" cy="365125"/>
-          </a:xfrm>
-        </p:spPr>
+        <p:spPr/>
         <p:txBody>
           <a:bodyPr/>
           <a:lstStyle/>
           <a:p>
             <a:fld id="{D33DC525-72F4-4C64-B99D-0B22188FF31E}" type="datetimeFigureOut">
               <a:rPr lang="zh-TW" altLang="en-US" smtClean="0"/>
-              <a:t>2016/9/4</a:t>
+              <a:pPr/>
+              <a:t>2019/2/10</a:t>
             </a:fld>
             <a:endParaRPr lang="zh-TW" altLang="en-US"/>
           </a:p>
@@ -683,7 +646,7 @@
       </p:sp>
       <p:sp>
         <p:nvSpPr>
-          <p:cNvPr id="5" name="図形 4"/>
+          <p:cNvPr id="5" name="頁尾版面配置區 4"/>
           <p:cNvSpPr>
             <a:spLocks noGrp="1"/>
           </p:cNvSpPr>
@@ -702,7 +665,7 @@
       </p:sp>
       <p:sp>
         <p:nvSpPr>
-          <p:cNvPr id="6" name="図形 5"/>
+          <p:cNvPr id="6" name="投影片編號版面配置區 5"/>
           <p:cNvSpPr>
             <a:spLocks noGrp="1"/>
           </p:cNvSpPr>
@@ -710,18 +673,14 @@
             <p:ph type="sldNum" sz="quarter" idx="12"/>
           </p:nvPr>
         </p:nvSpPr>
-        <p:spPr>
-          <a:xfrm>
-            <a:off x="6286512" y="6356350"/>
-            <a:ext cx="2133600" cy="365125"/>
-          </a:xfrm>
-        </p:spPr>
+        <p:spPr/>
         <p:txBody>
           <a:bodyPr/>
           <a:lstStyle/>
           <a:p>
             <a:fld id="{5EE5032E-8A12-4F9A-87EB-E0C475E91D23}" type="slidenum">
               <a:rPr lang="zh-TW" altLang="en-US" smtClean="0"/>
+              <a:pPr/>
               <a:t>‹#›</a:t>
             </a:fld>
             <a:endParaRPr lang="zh-TW" altLang="en-US"/>
@@ -755,7 +714,7 @@
       </p:grpSpPr>
       <p:sp>
         <p:nvSpPr>
-          <p:cNvPr id="2" name="図形 1"/>
+          <p:cNvPr id="2" name="標題 1"/>
           <p:cNvSpPr>
             <a:spLocks noGrp="1"/>
           </p:cNvSpPr>
@@ -769,16 +728,16 @@
           <a:lstStyle/>
           <a:p>
             <a:r>
-              <a:rPr kumimoji="1" lang="zh-TW" altLang="en-US" smtClean="0"/>
+              <a:rPr lang="zh-TW" altLang="en-US" smtClean="0"/>
               <a:t>按一下以編輯母片標題樣式</a:t>
             </a:r>
-            <a:endParaRPr kumimoji="1" lang="ja-JP" altLang="en-US"/>
-          </a:p>
-        </p:txBody>
-      </p:sp>
-      <p:sp>
-        <p:nvSpPr>
-          <p:cNvPr id="3" name="図形 2"/>
+            <a:endParaRPr lang="zh-TW" altLang="en-US"/>
+          </a:p>
+        </p:txBody>
+      </p:sp>
+      <p:sp>
+        <p:nvSpPr>
+          <p:cNvPr id="3" name="內容版面配置區 2"/>
           <p:cNvSpPr>
             <a:spLocks noGrp="1"/>
           </p:cNvSpPr>
@@ -793,44 +752,44 @@
           <a:p>
             <a:pPr lvl="0"/>
             <a:r>
-              <a:rPr kumimoji="1" lang="zh-TW" altLang="en-US" smtClean="0"/>
+              <a:rPr lang="zh-TW" altLang="en-US" smtClean="0"/>
               <a:t>按一下以編輯母片文字樣式</a:t>
             </a:r>
           </a:p>
           <a:p>
             <a:pPr lvl="1"/>
             <a:r>
-              <a:rPr kumimoji="1" lang="zh-TW" altLang="en-US" smtClean="0"/>
+              <a:rPr lang="zh-TW" altLang="en-US" smtClean="0"/>
               <a:t>第二層</a:t>
             </a:r>
           </a:p>
           <a:p>
             <a:pPr lvl="2"/>
             <a:r>
-              <a:rPr kumimoji="1" lang="zh-TW" altLang="en-US" smtClean="0"/>
+              <a:rPr lang="zh-TW" altLang="en-US" smtClean="0"/>
               <a:t>第三層</a:t>
             </a:r>
           </a:p>
           <a:p>
             <a:pPr lvl="3"/>
             <a:r>
-              <a:rPr kumimoji="1" lang="zh-TW" altLang="en-US" smtClean="0"/>
+              <a:rPr lang="zh-TW" altLang="en-US" smtClean="0"/>
               <a:t>第四層</a:t>
             </a:r>
           </a:p>
           <a:p>
             <a:pPr lvl="4"/>
             <a:r>
-              <a:rPr kumimoji="1" lang="zh-TW" altLang="en-US" smtClean="0"/>
+              <a:rPr lang="zh-TW" altLang="en-US" smtClean="0"/>
               <a:t>第五層</a:t>
             </a:r>
-            <a:endParaRPr kumimoji="1" lang="ja-JP" altLang="en-US"/>
-          </a:p>
-        </p:txBody>
-      </p:sp>
-      <p:sp>
-        <p:nvSpPr>
-          <p:cNvPr id="4" name="図形 3"/>
+            <a:endParaRPr lang="zh-TW" altLang="en-US"/>
+          </a:p>
+        </p:txBody>
+      </p:sp>
+      <p:sp>
+        <p:nvSpPr>
+          <p:cNvPr id="4" name="日期版面配置區 3"/>
           <p:cNvSpPr>
             <a:spLocks noGrp="1"/>
           </p:cNvSpPr>
@@ -845,7 +804,8 @@
           <a:p>
             <a:fld id="{D33DC525-72F4-4C64-B99D-0B22188FF31E}" type="datetimeFigureOut">
               <a:rPr lang="zh-TW" altLang="en-US" smtClean="0"/>
-              <a:t>2016/9/4</a:t>
+              <a:pPr/>
+              <a:t>2019/2/10</a:t>
             </a:fld>
             <a:endParaRPr lang="zh-TW" altLang="en-US"/>
           </a:p>
@@ -853,7 +813,7 @@
       </p:sp>
       <p:sp>
         <p:nvSpPr>
-          <p:cNvPr id="5" name="図形 4"/>
+          <p:cNvPr id="5" name="頁尾版面配置區 4"/>
           <p:cNvSpPr>
             <a:spLocks noGrp="1"/>
           </p:cNvSpPr>
@@ -872,7 +832,7 @@
       </p:sp>
       <p:sp>
         <p:nvSpPr>
-          <p:cNvPr id="6" name="図形 5"/>
+          <p:cNvPr id="6" name="投影片編號版面配置區 5"/>
           <p:cNvSpPr>
             <a:spLocks noGrp="1"/>
           </p:cNvSpPr>
@@ -887,6 +847,7 @@
           <a:p>
             <a:fld id="{5EE5032E-8A12-4F9A-87EB-E0C475E91D23}" type="slidenum">
               <a:rPr lang="zh-TW" altLang="en-US" smtClean="0"/>
+              <a:pPr/>
               <a:t>‹#›</a:t>
             </a:fld>
             <a:endParaRPr lang="zh-TW" altLang="en-US"/>
@@ -902,7 +863,7 @@
 </file>
 
 <file path=ppt/slideLayouts/slideLayout3.xml><?xml version="1.0" encoding="utf-8"?>
-<p:sldLayout xmlns:a="http://schemas.openxmlformats.org/drawingml/2006/main" xmlns:r="http://schemas.openxmlformats.org/officeDocument/2006/relationships" xmlns:p="http://schemas.openxmlformats.org/presentationml/2006/main" showMasterSp="0" type="secHead" preserve="1">
+<p:sldLayout xmlns:a="http://schemas.openxmlformats.org/drawingml/2006/main" xmlns:r="http://schemas.openxmlformats.org/officeDocument/2006/relationships" xmlns:p="http://schemas.openxmlformats.org/presentationml/2006/main" type="secHead" preserve="1">
   <p:cSld name="區段標題">
     <p:spTree>
       <p:nvGrpSpPr>
@@ -920,7 +881,7 @@
       </p:grpSpPr>
       <p:sp>
         <p:nvSpPr>
-          <p:cNvPr id="2" name="図形 1"/>
+          <p:cNvPr id="2" name="標題 1"/>
           <p:cNvSpPr>
             <a:spLocks noGrp="1"/>
           </p:cNvSpPr>
@@ -930,8 +891,8 @@
         </p:nvSpPr>
         <p:spPr>
           <a:xfrm>
-            <a:off x="1000100" y="4714884"/>
-            <a:ext cx="7215239" cy="862009"/>
+            <a:off x="722313" y="4406900"/>
+            <a:ext cx="7772400" cy="1362075"/>
           </a:xfrm>
         </p:spPr>
         <p:txBody>
@@ -943,16 +904,16 @@
           </a:lstStyle>
           <a:p>
             <a:r>
-              <a:rPr kumimoji="1" lang="zh-TW" altLang="en-US" smtClean="0"/>
+              <a:rPr lang="zh-TW" altLang="en-US" smtClean="0"/>
               <a:t>按一下以編輯母片標題樣式</a:t>
             </a:r>
-            <a:endParaRPr kumimoji="1" lang="ja-JP" altLang="en-US" dirty="0"/>
-          </a:p>
-        </p:txBody>
-      </p:sp>
-      <p:sp>
-        <p:nvSpPr>
-          <p:cNvPr id="3" name="図形 2"/>
+            <a:endParaRPr lang="zh-TW" altLang="en-US"/>
+          </a:p>
+        </p:txBody>
+      </p:sp>
+      <p:sp>
+        <p:nvSpPr>
+          <p:cNvPr id="3" name="文字版面配置區 2"/>
           <p:cNvSpPr>
             <a:spLocks noGrp="1"/>
           </p:cNvSpPr>
@@ -962,8 +923,8 @@
         </p:nvSpPr>
         <p:spPr>
           <a:xfrm>
-            <a:off x="1000101" y="2857496"/>
-            <a:ext cx="7215238" cy="1785950"/>
+            <a:off x="722313" y="2906713"/>
+            <a:ext cx="7772400" cy="1500187"/>
           </a:xfrm>
         </p:spPr>
         <p:txBody>
@@ -973,7 +934,9 @@
               <a:buNone/>
               <a:defRPr sz="2000">
                 <a:solidFill>
-                  <a:schemeClr val="tx2"/>
+                  <a:schemeClr val="tx1">
+                    <a:tint val="75000"/>
+                  </a:schemeClr>
                 </a:solidFill>
               </a:defRPr>
             </a:lvl1pPr>
@@ -981,7 +944,9 @@
               <a:buNone/>
               <a:defRPr sz="1800">
                 <a:solidFill>
-                  <a:schemeClr val="tx2"/>
+                  <a:schemeClr val="tx1">
+                    <a:tint val="75000"/>
+                  </a:schemeClr>
                 </a:solidFill>
               </a:defRPr>
             </a:lvl2pPr>
@@ -989,7 +954,9 @@
               <a:buNone/>
               <a:defRPr sz="1600">
                 <a:solidFill>
-                  <a:schemeClr val="tx2"/>
+                  <a:schemeClr val="tx1">
+                    <a:tint val="75000"/>
+                  </a:schemeClr>
                 </a:solidFill>
               </a:defRPr>
             </a:lvl3pPr>
@@ -997,7 +964,9 @@
               <a:buNone/>
               <a:defRPr sz="1400">
                 <a:solidFill>
-                  <a:schemeClr val="tx2"/>
+                  <a:schemeClr val="tx1">
+                    <a:tint val="75000"/>
+                  </a:schemeClr>
                 </a:solidFill>
               </a:defRPr>
             </a:lvl4pPr>
@@ -1005,7 +974,9 @@
               <a:buNone/>
               <a:defRPr sz="1400">
                 <a:solidFill>
-                  <a:schemeClr val="tx2"/>
+                  <a:schemeClr val="tx1">
+                    <a:tint val="75000"/>
+                  </a:schemeClr>
                 </a:solidFill>
               </a:defRPr>
             </a:lvl5pPr>
@@ -1053,44 +1024,15 @@
           <a:p>
             <a:pPr lvl="0"/>
             <a:r>
-              <a:rPr kumimoji="1" lang="zh-TW" altLang="en-US" smtClean="0"/>
+              <a:rPr lang="zh-TW" altLang="en-US" smtClean="0"/>
               <a:t>按一下以編輯母片文字樣式</a:t>
             </a:r>
           </a:p>
-          <a:p>
-            <a:pPr lvl="1"/>
-            <a:r>
-              <a:rPr kumimoji="1" lang="zh-TW" altLang="en-US" smtClean="0"/>
-              <a:t>第二層</a:t>
-            </a:r>
-          </a:p>
-          <a:p>
-            <a:pPr lvl="2"/>
-            <a:r>
-              <a:rPr kumimoji="1" lang="zh-TW" altLang="en-US" smtClean="0"/>
-              <a:t>第三層</a:t>
-            </a:r>
-          </a:p>
-          <a:p>
-            <a:pPr lvl="3"/>
-            <a:r>
-              <a:rPr kumimoji="1" lang="zh-TW" altLang="en-US" smtClean="0"/>
-              <a:t>第四層</a:t>
-            </a:r>
-          </a:p>
-          <a:p>
-            <a:pPr lvl="4"/>
-            <a:r>
-              <a:rPr kumimoji="1" lang="zh-TW" altLang="en-US" smtClean="0"/>
-              <a:t>第五層</a:t>
-            </a:r>
-            <a:endParaRPr lang="ja-JP" dirty="0"/>
-          </a:p>
-        </p:txBody>
-      </p:sp>
-      <p:sp>
-        <p:nvSpPr>
-          <p:cNvPr id="4" name="図形 3"/>
+        </p:txBody>
+      </p:sp>
+      <p:sp>
+        <p:nvSpPr>
+          <p:cNvPr id="4" name="日期版面配置區 3"/>
           <p:cNvSpPr>
             <a:spLocks noGrp="1"/>
           </p:cNvSpPr>
@@ -1101,21 +1043,12 @@
         <p:spPr/>
         <p:txBody>
           <a:bodyPr/>
-          <a:lstStyle>
-            <a:lvl1pPr>
-              <a:defRPr>
-                <a:solidFill>
-                  <a:schemeClr val="tx1">
-                    <a:tint val="75000"/>
-                  </a:schemeClr>
-                </a:solidFill>
-              </a:defRPr>
-            </a:lvl1pPr>
-          </a:lstStyle>
+          <a:lstStyle/>
           <a:p>
             <a:fld id="{D33DC525-72F4-4C64-B99D-0B22188FF31E}" type="datetimeFigureOut">
               <a:rPr lang="zh-TW" altLang="en-US" smtClean="0"/>
-              <a:t>2016/9/4</a:t>
+              <a:pPr/>
+              <a:t>2019/2/10</a:t>
             </a:fld>
             <a:endParaRPr lang="zh-TW" altLang="en-US"/>
           </a:p>
@@ -1123,7 +1056,7 @@
       </p:sp>
       <p:sp>
         <p:nvSpPr>
-          <p:cNvPr id="5" name="図形 4"/>
+          <p:cNvPr id="5" name="頁尾版面配置區 4"/>
           <p:cNvSpPr>
             <a:spLocks noGrp="1"/>
           </p:cNvSpPr>
@@ -1142,7 +1075,7 @@
       </p:sp>
       <p:sp>
         <p:nvSpPr>
-          <p:cNvPr id="6" name="図形 5"/>
+          <p:cNvPr id="6" name="投影片編號版面配置區 5"/>
           <p:cNvSpPr>
             <a:spLocks noGrp="1"/>
           </p:cNvSpPr>
@@ -1153,20 +1086,11 @@
         <p:spPr/>
         <p:txBody>
           <a:bodyPr/>
-          <a:lstStyle>
-            <a:lvl1pPr>
-              <a:defRPr>
-                <a:solidFill>
-                  <a:schemeClr val="tx1">
-                    <a:tint val="75000"/>
-                  </a:schemeClr>
-                </a:solidFill>
-              </a:defRPr>
-            </a:lvl1pPr>
-          </a:lstStyle>
+          <a:lstStyle/>
           <a:p>
             <a:fld id="{5EE5032E-8A12-4F9A-87EB-E0C475E91D23}" type="slidenum">
               <a:rPr lang="zh-TW" altLang="en-US" smtClean="0"/>
+              <a:pPr/>
               <a:t>‹#›</a:t>
             </a:fld>
             <a:endParaRPr lang="zh-TW" altLang="en-US"/>
@@ -1200,7 +1124,7 @@
       </p:grpSpPr>
       <p:sp>
         <p:nvSpPr>
-          <p:cNvPr id="2" name="図形 1"/>
+          <p:cNvPr id="2" name="標題 1"/>
           <p:cNvSpPr>
             <a:spLocks noGrp="1"/>
           </p:cNvSpPr>
@@ -1214,16 +1138,16 @@
           <a:lstStyle/>
           <a:p>
             <a:r>
-              <a:rPr kumimoji="1" lang="zh-TW" altLang="en-US" smtClean="0"/>
+              <a:rPr lang="zh-TW" altLang="en-US" smtClean="0"/>
               <a:t>按一下以編輯母片標題樣式</a:t>
             </a:r>
-            <a:endParaRPr kumimoji="1" lang="ja-JP" altLang="en-US"/>
-          </a:p>
-        </p:txBody>
-      </p:sp>
-      <p:sp>
-        <p:nvSpPr>
-          <p:cNvPr id="3" name="図形 2"/>
+            <a:endParaRPr lang="zh-TW" altLang="en-US"/>
+          </a:p>
+        </p:txBody>
+      </p:sp>
+      <p:sp>
+        <p:nvSpPr>
+          <p:cNvPr id="3" name="內容版面配置區 2"/>
           <p:cNvSpPr>
             <a:spLocks noGrp="1"/>
           </p:cNvSpPr>
@@ -1271,44 +1195,44 @@
           <a:p>
             <a:pPr lvl="0"/>
             <a:r>
-              <a:rPr kumimoji="1" lang="zh-TW" altLang="en-US" smtClean="0"/>
+              <a:rPr lang="zh-TW" altLang="en-US" smtClean="0"/>
               <a:t>按一下以編輯母片文字樣式</a:t>
             </a:r>
           </a:p>
           <a:p>
             <a:pPr lvl="1"/>
             <a:r>
-              <a:rPr kumimoji="1" lang="zh-TW" altLang="en-US" smtClean="0"/>
+              <a:rPr lang="zh-TW" altLang="en-US" smtClean="0"/>
               <a:t>第二層</a:t>
             </a:r>
           </a:p>
           <a:p>
             <a:pPr lvl="2"/>
             <a:r>
-              <a:rPr kumimoji="1" lang="zh-TW" altLang="en-US" smtClean="0"/>
+              <a:rPr lang="zh-TW" altLang="en-US" smtClean="0"/>
               <a:t>第三層</a:t>
             </a:r>
           </a:p>
           <a:p>
             <a:pPr lvl="3"/>
             <a:r>
-              <a:rPr kumimoji="1" lang="zh-TW" altLang="en-US" smtClean="0"/>
+              <a:rPr lang="zh-TW" altLang="en-US" smtClean="0"/>
               <a:t>第四層</a:t>
             </a:r>
           </a:p>
           <a:p>
             <a:pPr lvl="4"/>
             <a:r>
-              <a:rPr kumimoji="1" lang="zh-TW" altLang="en-US" smtClean="0"/>
+              <a:rPr lang="zh-TW" altLang="en-US" smtClean="0"/>
               <a:t>第五層</a:t>
             </a:r>
-            <a:endParaRPr kumimoji="1" lang="ja-JP" altLang="en-US"/>
-          </a:p>
-        </p:txBody>
-      </p:sp>
-      <p:sp>
-        <p:nvSpPr>
-          <p:cNvPr id="4" name="図形 3"/>
+            <a:endParaRPr lang="zh-TW" altLang="en-US"/>
+          </a:p>
+        </p:txBody>
+      </p:sp>
+      <p:sp>
+        <p:nvSpPr>
+          <p:cNvPr id="4" name="內容版面配置區 3"/>
           <p:cNvSpPr>
             <a:spLocks noGrp="1"/>
           </p:cNvSpPr>
@@ -1356,44 +1280,44 @@
           <a:p>
             <a:pPr lvl="0"/>
             <a:r>
-              <a:rPr kumimoji="1" lang="zh-TW" altLang="en-US" smtClean="0"/>
+              <a:rPr lang="zh-TW" altLang="en-US" smtClean="0"/>
               <a:t>按一下以編輯母片文字樣式</a:t>
             </a:r>
           </a:p>
           <a:p>
             <a:pPr lvl="1"/>
             <a:r>
-              <a:rPr kumimoji="1" lang="zh-TW" altLang="en-US" smtClean="0"/>
+              <a:rPr lang="zh-TW" altLang="en-US" smtClean="0"/>
               <a:t>第二層</a:t>
             </a:r>
           </a:p>
           <a:p>
             <a:pPr lvl="2"/>
             <a:r>
-              <a:rPr kumimoji="1" lang="zh-TW" altLang="en-US" smtClean="0"/>
+              <a:rPr lang="zh-TW" altLang="en-US" smtClean="0"/>
               <a:t>第三層</a:t>
             </a:r>
           </a:p>
           <a:p>
             <a:pPr lvl="3"/>
             <a:r>
-              <a:rPr kumimoji="1" lang="zh-TW" altLang="en-US" smtClean="0"/>
+              <a:rPr lang="zh-TW" altLang="en-US" smtClean="0"/>
               <a:t>第四層</a:t>
             </a:r>
           </a:p>
           <a:p>
             <a:pPr lvl="4"/>
             <a:r>
-              <a:rPr kumimoji="1" lang="zh-TW" altLang="en-US" smtClean="0"/>
+              <a:rPr lang="zh-TW" altLang="en-US" smtClean="0"/>
               <a:t>第五層</a:t>
             </a:r>
-            <a:endParaRPr kumimoji="1" lang="ja-JP" altLang="en-US"/>
-          </a:p>
-        </p:txBody>
-      </p:sp>
-      <p:sp>
-        <p:nvSpPr>
-          <p:cNvPr id="5" name="図形 4"/>
+            <a:endParaRPr lang="zh-TW" altLang="en-US"/>
+          </a:p>
+        </p:txBody>
+      </p:sp>
+      <p:sp>
+        <p:nvSpPr>
+          <p:cNvPr id="5" name="日期版面配置區 4"/>
           <p:cNvSpPr>
             <a:spLocks noGrp="1"/>
           </p:cNvSpPr>
@@ -1408,7 +1332,8 @@
           <a:p>
             <a:fld id="{D33DC525-72F4-4C64-B99D-0B22188FF31E}" type="datetimeFigureOut">
               <a:rPr lang="zh-TW" altLang="en-US" smtClean="0"/>
-              <a:t>2016/9/4</a:t>
+              <a:pPr/>
+              <a:t>2019/2/10</a:t>
             </a:fld>
             <a:endParaRPr lang="zh-TW" altLang="en-US"/>
           </a:p>
@@ -1416,7 +1341,7 @@
       </p:sp>
       <p:sp>
         <p:nvSpPr>
-          <p:cNvPr id="6" name="図形 5"/>
+          <p:cNvPr id="6" name="頁尾版面配置區 5"/>
           <p:cNvSpPr>
             <a:spLocks noGrp="1"/>
           </p:cNvSpPr>
@@ -1435,7 +1360,7 @@
       </p:sp>
       <p:sp>
         <p:nvSpPr>
-          <p:cNvPr id="7" name="図形 6"/>
+          <p:cNvPr id="7" name="投影片編號版面配置區 6"/>
           <p:cNvSpPr>
             <a:spLocks noGrp="1"/>
           </p:cNvSpPr>
@@ -1450,6 +1375,7 @@
           <a:p>
             <a:fld id="{5EE5032E-8A12-4F9A-87EB-E0C475E91D23}" type="slidenum">
               <a:rPr lang="zh-TW" altLang="en-US" smtClean="0"/>
+              <a:pPr/>
               <a:t>‹#›</a:t>
             </a:fld>
             <a:endParaRPr lang="zh-TW" altLang="en-US"/>
@@ -1483,7 +1409,7 @@
       </p:grpSpPr>
       <p:sp>
         <p:nvSpPr>
-          <p:cNvPr id="2" name="図形 1"/>
+          <p:cNvPr id="2" name="標題 1"/>
           <p:cNvSpPr>
             <a:spLocks noGrp="1"/>
           </p:cNvSpPr>
@@ -1501,16 +1427,16 @@
           </a:lstStyle>
           <a:p>
             <a:r>
-              <a:rPr kumimoji="1" lang="zh-TW" altLang="en-US" smtClean="0"/>
+              <a:rPr lang="zh-TW" altLang="en-US" smtClean="0"/>
               <a:t>按一下以編輯母片標題樣式</a:t>
             </a:r>
-            <a:endParaRPr kumimoji="1" lang="ja-JP" altLang="en-US"/>
-          </a:p>
-        </p:txBody>
-      </p:sp>
-      <p:sp>
-        <p:nvSpPr>
-          <p:cNvPr id="3" name="図形 2"/>
+            <a:endParaRPr lang="zh-TW" altLang="en-US"/>
+          </a:p>
+        </p:txBody>
+      </p:sp>
+      <p:sp>
+        <p:nvSpPr>
+          <p:cNvPr id="3" name="文字版面配置區 2"/>
           <p:cNvSpPr>
             <a:spLocks noGrp="1"/>
           </p:cNvSpPr>
@@ -1567,44 +1493,15 @@
           <a:p>
             <a:pPr lvl="0"/>
             <a:r>
-              <a:rPr kumimoji="1" lang="zh-TW" altLang="en-US" smtClean="0"/>
+              <a:rPr lang="zh-TW" altLang="en-US" smtClean="0"/>
               <a:t>按一下以編輯母片文字樣式</a:t>
             </a:r>
           </a:p>
-          <a:p>
-            <a:pPr lvl="1"/>
-            <a:r>
-              <a:rPr kumimoji="1" lang="zh-TW" altLang="en-US" smtClean="0"/>
-              <a:t>第二層</a:t>
-            </a:r>
-          </a:p>
-          <a:p>
-            <a:pPr lvl="2"/>
-            <a:r>
-              <a:rPr kumimoji="1" lang="zh-TW" altLang="en-US" smtClean="0"/>
-              <a:t>第三層</a:t>
-            </a:r>
-          </a:p>
-          <a:p>
-            <a:pPr lvl="3"/>
-            <a:r>
-              <a:rPr kumimoji="1" lang="zh-TW" altLang="en-US" smtClean="0"/>
-              <a:t>第四層</a:t>
-            </a:r>
-          </a:p>
-          <a:p>
-            <a:pPr lvl="4"/>
-            <a:r>
-              <a:rPr kumimoji="1" lang="zh-TW" altLang="en-US" smtClean="0"/>
-              <a:t>第五層</a:t>
-            </a:r>
-            <a:endParaRPr lang="ja-JP"/>
-          </a:p>
-        </p:txBody>
-      </p:sp>
-      <p:sp>
-        <p:nvSpPr>
-          <p:cNvPr id="4" name="図形 3"/>
+        </p:txBody>
+      </p:sp>
+      <p:sp>
+        <p:nvSpPr>
+          <p:cNvPr id="4" name="內容版面配置區 3"/>
           <p:cNvSpPr>
             <a:spLocks noGrp="1"/>
           </p:cNvSpPr>
@@ -1652,44 +1549,44 @@
           <a:p>
             <a:pPr lvl="0"/>
             <a:r>
-              <a:rPr kumimoji="1" lang="zh-TW" altLang="en-US" smtClean="0"/>
+              <a:rPr lang="zh-TW" altLang="en-US" smtClean="0"/>
               <a:t>按一下以編輯母片文字樣式</a:t>
             </a:r>
           </a:p>
           <a:p>
             <a:pPr lvl="1"/>
             <a:r>
-              <a:rPr kumimoji="1" lang="zh-TW" altLang="en-US" smtClean="0"/>
+              <a:rPr lang="zh-TW" altLang="en-US" smtClean="0"/>
               <a:t>第二層</a:t>
             </a:r>
           </a:p>
           <a:p>
             <a:pPr lvl="2"/>
             <a:r>
-              <a:rPr kumimoji="1" lang="zh-TW" altLang="en-US" smtClean="0"/>
+              <a:rPr lang="zh-TW" altLang="en-US" smtClean="0"/>
               <a:t>第三層</a:t>
             </a:r>
           </a:p>
           <a:p>
             <a:pPr lvl="3"/>
             <a:r>
-              <a:rPr kumimoji="1" lang="zh-TW" altLang="en-US" smtClean="0"/>
+              <a:rPr lang="zh-TW" altLang="en-US" smtClean="0"/>
               <a:t>第四層</a:t>
             </a:r>
           </a:p>
           <a:p>
             <a:pPr lvl="4"/>
             <a:r>
-              <a:rPr kumimoji="1" lang="zh-TW" altLang="en-US" smtClean="0"/>
+              <a:rPr lang="zh-TW" altLang="en-US" smtClean="0"/>
               <a:t>第五層</a:t>
             </a:r>
-            <a:endParaRPr kumimoji="1" lang="ja-JP" altLang="en-US"/>
-          </a:p>
-        </p:txBody>
-      </p:sp>
-      <p:sp>
-        <p:nvSpPr>
-          <p:cNvPr id="5" name="図形 4"/>
+            <a:endParaRPr lang="zh-TW" altLang="en-US"/>
+          </a:p>
+        </p:txBody>
+      </p:sp>
+      <p:sp>
+        <p:nvSpPr>
+          <p:cNvPr id="5" name="文字版面配置區 4"/>
           <p:cNvSpPr>
             <a:spLocks noGrp="1"/>
           </p:cNvSpPr>
@@ -1746,44 +1643,15 @@
           <a:p>
             <a:pPr lvl="0"/>
             <a:r>
-              <a:rPr kumimoji="1" lang="zh-TW" altLang="en-US" smtClean="0"/>
+              <a:rPr lang="zh-TW" altLang="en-US" smtClean="0"/>
               <a:t>按一下以編輯母片文字樣式</a:t>
             </a:r>
           </a:p>
-          <a:p>
-            <a:pPr lvl="1"/>
-            <a:r>
-              <a:rPr kumimoji="1" lang="zh-TW" altLang="en-US" smtClean="0"/>
-              <a:t>第二層</a:t>
-            </a:r>
-          </a:p>
-          <a:p>
-            <a:pPr lvl="2"/>
-            <a:r>
-              <a:rPr kumimoji="1" lang="zh-TW" altLang="en-US" smtClean="0"/>
-              <a:t>第三層</a:t>
-            </a:r>
-          </a:p>
-          <a:p>
-            <a:pPr lvl="3"/>
-            <a:r>
-              <a:rPr kumimoji="1" lang="zh-TW" altLang="en-US" smtClean="0"/>
-              <a:t>第四層</a:t>
-            </a:r>
-          </a:p>
-          <a:p>
-            <a:pPr lvl="4"/>
-            <a:r>
-              <a:rPr kumimoji="1" lang="zh-TW" altLang="en-US" smtClean="0"/>
-              <a:t>第五層</a:t>
-            </a:r>
-            <a:endParaRPr lang="ja-JP"/>
-          </a:p>
-        </p:txBody>
-      </p:sp>
-      <p:sp>
-        <p:nvSpPr>
-          <p:cNvPr id="6" name="図形 5"/>
+        </p:txBody>
+      </p:sp>
+      <p:sp>
+        <p:nvSpPr>
+          <p:cNvPr id="6" name="內容版面配置區 5"/>
           <p:cNvSpPr>
             <a:spLocks noGrp="1"/>
           </p:cNvSpPr>
@@ -1831,44 +1699,44 @@
           <a:p>
             <a:pPr lvl="0"/>
             <a:r>
-              <a:rPr kumimoji="1" lang="zh-TW" altLang="en-US" smtClean="0"/>
+              <a:rPr lang="zh-TW" altLang="en-US" smtClean="0"/>
               <a:t>按一下以編輯母片文字樣式</a:t>
             </a:r>
           </a:p>
           <a:p>
             <a:pPr lvl="1"/>
             <a:r>
-              <a:rPr kumimoji="1" lang="zh-TW" altLang="en-US" smtClean="0"/>
+              <a:rPr lang="zh-TW" altLang="en-US" smtClean="0"/>
               <a:t>第二層</a:t>
             </a:r>
           </a:p>
           <a:p>
             <a:pPr lvl="2"/>
             <a:r>
-              <a:rPr kumimoji="1" lang="zh-TW" altLang="en-US" smtClean="0"/>
+              <a:rPr lang="zh-TW" altLang="en-US" smtClean="0"/>
               <a:t>第三層</a:t>
             </a:r>
           </a:p>
           <a:p>
             <a:pPr lvl="3"/>
             <a:r>
-              <a:rPr kumimoji="1" lang="zh-TW" altLang="en-US" smtClean="0"/>
+              <a:rPr lang="zh-TW" altLang="en-US" smtClean="0"/>
               <a:t>第四層</a:t>
             </a:r>
           </a:p>
           <a:p>
             <a:pPr lvl="4"/>
             <a:r>
-              <a:rPr kumimoji="1" lang="zh-TW" altLang="en-US" smtClean="0"/>
+              <a:rPr lang="zh-TW" altLang="en-US" smtClean="0"/>
               <a:t>第五層</a:t>
             </a:r>
-            <a:endParaRPr kumimoji="1" lang="ja-JP" altLang="en-US"/>
-          </a:p>
-        </p:txBody>
-      </p:sp>
-      <p:sp>
-        <p:nvSpPr>
-          <p:cNvPr id="7" name="図形 6"/>
+            <a:endParaRPr lang="zh-TW" altLang="en-US"/>
+          </a:p>
+        </p:txBody>
+      </p:sp>
+      <p:sp>
+        <p:nvSpPr>
+          <p:cNvPr id="7" name="日期版面配置區 6"/>
           <p:cNvSpPr>
             <a:spLocks noGrp="1"/>
           </p:cNvSpPr>
@@ -1883,7 +1751,8 @@
           <a:p>
             <a:fld id="{D33DC525-72F4-4C64-B99D-0B22188FF31E}" type="datetimeFigureOut">
               <a:rPr lang="zh-TW" altLang="en-US" smtClean="0"/>
-              <a:t>2016/9/4</a:t>
+              <a:pPr/>
+              <a:t>2019/2/10</a:t>
             </a:fld>
             <a:endParaRPr lang="zh-TW" altLang="en-US"/>
           </a:p>
@@ -1891,7 +1760,7 @@
       </p:sp>
       <p:sp>
         <p:nvSpPr>
-          <p:cNvPr id="8" name="図形 7"/>
+          <p:cNvPr id="8" name="頁尾版面配置區 7"/>
           <p:cNvSpPr>
             <a:spLocks noGrp="1"/>
           </p:cNvSpPr>
@@ -1910,7 +1779,7 @@
       </p:sp>
       <p:sp>
         <p:nvSpPr>
-          <p:cNvPr id="9" name="図形 8"/>
+          <p:cNvPr id="9" name="投影片編號版面配置區 8"/>
           <p:cNvSpPr>
             <a:spLocks noGrp="1"/>
           </p:cNvSpPr>
@@ -1925,6 +1794,7 @@
           <a:p>
             <a:fld id="{5EE5032E-8A12-4F9A-87EB-E0C475E91D23}" type="slidenum">
               <a:rPr lang="zh-TW" altLang="en-US" smtClean="0"/>
+              <a:pPr/>
               <a:t>‹#›</a:t>
             </a:fld>
             <a:endParaRPr lang="zh-TW" altLang="en-US"/>
@@ -1958,7 +1828,7 @@
       </p:grpSpPr>
       <p:sp>
         <p:nvSpPr>
-          <p:cNvPr id="2" name="図形 1"/>
+          <p:cNvPr id="2" name="標題 1"/>
           <p:cNvSpPr>
             <a:spLocks noGrp="1"/>
           </p:cNvSpPr>
@@ -1966,27 +1836,22 @@
             <p:ph type="title"/>
           </p:nvPr>
         </p:nvSpPr>
-        <p:spPr>
-          <a:xfrm>
-            <a:off x="1671646" y="4572008"/>
-            <a:ext cx="6400816" cy="928686"/>
-          </a:xfrm>
-        </p:spPr>
-        <p:txBody>
-          <a:bodyPr/>
-          <a:lstStyle/>
-          <a:p>
-            <a:r>
-              <a:rPr kumimoji="1" lang="zh-TW" altLang="en-US" smtClean="0"/>
+        <p:spPr/>
+        <p:txBody>
+          <a:bodyPr/>
+          <a:lstStyle/>
+          <a:p>
+            <a:r>
+              <a:rPr lang="zh-TW" altLang="en-US" smtClean="0"/>
               <a:t>按一下以編輯母片標題樣式</a:t>
             </a:r>
-            <a:endParaRPr kumimoji="1" lang="ja-JP" altLang="en-US" dirty="0"/>
-          </a:p>
-        </p:txBody>
-      </p:sp>
-      <p:sp>
-        <p:nvSpPr>
-          <p:cNvPr id="3" name="図形 2"/>
+            <a:endParaRPr lang="zh-TW" altLang="en-US"/>
+          </a:p>
+        </p:txBody>
+      </p:sp>
+      <p:sp>
+        <p:nvSpPr>
+          <p:cNvPr id="3" name="日期版面配置區 2"/>
           <p:cNvSpPr>
             <a:spLocks noGrp="1"/>
           </p:cNvSpPr>
@@ -2001,7 +1866,8 @@
           <a:p>
             <a:fld id="{D33DC525-72F4-4C64-B99D-0B22188FF31E}" type="datetimeFigureOut">
               <a:rPr lang="zh-TW" altLang="en-US" smtClean="0"/>
-              <a:t>2016/9/4</a:t>
+              <a:pPr/>
+              <a:t>2019/2/10</a:t>
             </a:fld>
             <a:endParaRPr lang="zh-TW" altLang="en-US"/>
           </a:p>
@@ -2009,7 +1875,7 @@
       </p:sp>
       <p:sp>
         <p:nvSpPr>
-          <p:cNvPr id="4" name="図形 3"/>
+          <p:cNvPr id="4" name="頁尾版面配置區 3"/>
           <p:cNvSpPr>
             <a:spLocks noGrp="1"/>
           </p:cNvSpPr>
@@ -2028,7 +1894,7 @@
       </p:sp>
       <p:sp>
         <p:nvSpPr>
-          <p:cNvPr id="5" name="図形 4"/>
+          <p:cNvPr id="5" name="投影片編號版面配置區 4"/>
           <p:cNvSpPr>
             <a:spLocks noGrp="1"/>
           </p:cNvSpPr>
@@ -2043,6 +1909,7 @@
           <a:p>
             <a:fld id="{5EE5032E-8A12-4F9A-87EB-E0C475E91D23}" type="slidenum">
               <a:rPr lang="zh-TW" altLang="en-US" smtClean="0"/>
+              <a:pPr/>
               <a:t>‹#›</a:t>
             </a:fld>
             <a:endParaRPr lang="zh-TW" altLang="en-US"/>
@@ -2076,7 +1943,7 @@
       </p:grpSpPr>
       <p:sp>
         <p:nvSpPr>
-          <p:cNvPr id="2" name="図形 1"/>
+          <p:cNvPr id="2" name="日期版面配置區 1"/>
           <p:cNvSpPr>
             <a:spLocks noGrp="1"/>
           </p:cNvSpPr>
@@ -2091,7 +1958,8 @@
           <a:p>
             <a:fld id="{D33DC525-72F4-4C64-B99D-0B22188FF31E}" type="datetimeFigureOut">
               <a:rPr lang="zh-TW" altLang="en-US" smtClean="0"/>
-              <a:t>2016/9/4</a:t>
+              <a:pPr/>
+              <a:t>2019/2/10</a:t>
             </a:fld>
             <a:endParaRPr lang="zh-TW" altLang="en-US"/>
           </a:p>
@@ -2099,7 +1967,7 @@
       </p:sp>
       <p:sp>
         <p:nvSpPr>
-          <p:cNvPr id="3" name="図形 2"/>
+          <p:cNvPr id="3" name="頁尾版面配置區 2"/>
           <p:cNvSpPr>
             <a:spLocks noGrp="1"/>
           </p:cNvSpPr>
@@ -2118,7 +1986,7 @@
       </p:sp>
       <p:sp>
         <p:nvSpPr>
-          <p:cNvPr id="4" name="図形 3"/>
+          <p:cNvPr id="4" name="投影片編號版面配置區 3"/>
           <p:cNvSpPr>
             <a:spLocks noGrp="1"/>
           </p:cNvSpPr>
@@ -2133,6 +2001,7 @@
           <a:p>
             <a:fld id="{5EE5032E-8A12-4F9A-87EB-E0C475E91D23}" type="slidenum">
               <a:rPr lang="zh-TW" altLang="en-US" smtClean="0"/>
+              <a:pPr/>
               <a:t>‹#›</a:t>
             </a:fld>
             <a:endParaRPr lang="zh-TW" altLang="en-US"/>
@@ -2166,7 +2035,7 @@
       </p:grpSpPr>
       <p:sp>
         <p:nvSpPr>
-          <p:cNvPr id="2" name="図形 1"/>
+          <p:cNvPr id="2" name="標題 1"/>
           <p:cNvSpPr>
             <a:spLocks noGrp="1"/>
           </p:cNvSpPr>
@@ -2189,16 +2058,16 @@
           </a:lstStyle>
           <a:p>
             <a:r>
-              <a:rPr kumimoji="1" lang="zh-TW" altLang="en-US" smtClean="0"/>
+              <a:rPr lang="zh-TW" altLang="en-US" smtClean="0"/>
               <a:t>按一下以編輯母片標題樣式</a:t>
             </a:r>
-            <a:endParaRPr kumimoji="1" lang="ja-JP" altLang="en-US"/>
-          </a:p>
-        </p:txBody>
-      </p:sp>
-      <p:sp>
-        <p:nvSpPr>
-          <p:cNvPr id="3" name="図形 2"/>
+            <a:endParaRPr lang="zh-TW" altLang="en-US"/>
+          </a:p>
+        </p:txBody>
+      </p:sp>
+      <p:sp>
+        <p:nvSpPr>
+          <p:cNvPr id="3" name="內容版面配置區 2"/>
           <p:cNvSpPr>
             <a:spLocks noGrp="1"/>
           </p:cNvSpPr>
@@ -2208,8 +2077,8 @@
         </p:nvSpPr>
         <p:spPr>
           <a:xfrm>
-            <a:off x="3575050" y="1428737"/>
-            <a:ext cx="5111750" cy="4697427"/>
+            <a:off x="3575050" y="273050"/>
+            <a:ext cx="5111750" cy="5853113"/>
           </a:xfrm>
         </p:spPr>
         <p:txBody>
@@ -2246,44 +2115,44 @@
           <a:p>
             <a:pPr lvl="0"/>
             <a:r>
-              <a:rPr kumimoji="1" lang="zh-TW" altLang="en-US" smtClean="0"/>
+              <a:rPr lang="zh-TW" altLang="en-US" smtClean="0"/>
               <a:t>按一下以編輯母片文字樣式</a:t>
             </a:r>
           </a:p>
           <a:p>
             <a:pPr lvl="1"/>
             <a:r>
-              <a:rPr kumimoji="1" lang="zh-TW" altLang="en-US" smtClean="0"/>
+              <a:rPr lang="zh-TW" altLang="en-US" smtClean="0"/>
               <a:t>第二層</a:t>
             </a:r>
           </a:p>
           <a:p>
             <a:pPr lvl="2"/>
             <a:r>
-              <a:rPr kumimoji="1" lang="zh-TW" altLang="en-US" smtClean="0"/>
+              <a:rPr lang="zh-TW" altLang="en-US" smtClean="0"/>
               <a:t>第三層</a:t>
             </a:r>
           </a:p>
           <a:p>
             <a:pPr lvl="3"/>
             <a:r>
-              <a:rPr kumimoji="1" lang="zh-TW" altLang="en-US" smtClean="0"/>
+              <a:rPr lang="zh-TW" altLang="en-US" smtClean="0"/>
               <a:t>第四層</a:t>
             </a:r>
           </a:p>
           <a:p>
             <a:pPr lvl="4"/>
             <a:r>
-              <a:rPr kumimoji="1" lang="zh-TW" altLang="en-US" smtClean="0"/>
+              <a:rPr lang="zh-TW" altLang="en-US" smtClean="0"/>
               <a:t>第五層</a:t>
             </a:r>
-            <a:endParaRPr kumimoji="1" lang="ja-JP" altLang="en-US" dirty="0"/>
-          </a:p>
-        </p:txBody>
-      </p:sp>
-      <p:sp>
-        <p:nvSpPr>
-          <p:cNvPr id="4" name="図形 3"/>
+            <a:endParaRPr lang="zh-TW" altLang="en-US"/>
+          </a:p>
+        </p:txBody>
+      </p:sp>
+      <p:sp>
+        <p:nvSpPr>
+          <p:cNvPr id="4" name="文字版面配置區 3"/>
           <p:cNvSpPr>
             <a:spLocks noGrp="1"/>
           </p:cNvSpPr>
@@ -2340,44 +2209,15 @@
           <a:p>
             <a:pPr lvl="0"/>
             <a:r>
-              <a:rPr kumimoji="1" lang="zh-TW" altLang="en-US" smtClean="0"/>
+              <a:rPr lang="zh-TW" altLang="en-US" smtClean="0"/>
               <a:t>按一下以編輯母片文字樣式</a:t>
             </a:r>
           </a:p>
-          <a:p>
-            <a:pPr lvl="1"/>
-            <a:r>
-              <a:rPr kumimoji="1" lang="zh-TW" altLang="en-US" smtClean="0"/>
-              <a:t>第二層</a:t>
-            </a:r>
-          </a:p>
-          <a:p>
-            <a:pPr lvl="2"/>
-            <a:r>
-              <a:rPr kumimoji="1" lang="zh-TW" altLang="en-US" smtClean="0"/>
-              <a:t>第三層</a:t>
-            </a:r>
-          </a:p>
-          <a:p>
-            <a:pPr lvl="3"/>
-            <a:r>
-              <a:rPr kumimoji="1" lang="zh-TW" altLang="en-US" smtClean="0"/>
-              <a:t>第四層</a:t>
-            </a:r>
-          </a:p>
-          <a:p>
-            <a:pPr lvl="4"/>
-            <a:r>
-              <a:rPr kumimoji="1" lang="zh-TW" altLang="en-US" smtClean="0"/>
-              <a:t>第五層</a:t>
-            </a:r>
-            <a:endParaRPr lang="ja-JP"/>
-          </a:p>
-        </p:txBody>
-      </p:sp>
-      <p:sp>
-        <p:nvSpPr>
-          <p:cNvPr id="5" name="図形 4"/>
+        </p:txBody>
+      </p:sp>
+      <p:sp>
+        <p:nvSpPr>
+          <p:cNvPr id="5" name="日期版面配置區 4"/>
           <p:cNvSpPr>
             <a:spLocks noGrp="1"/>
           </p:cNvSpPr>
@@ -2392,7 +2232,8 @@
           <a:p>
             <a:fld id="{D33DC525-72F4-4C64-B99D-0B22188FF31E}" type="datetimeFigureOut">
               <a:rPr lang="zh-TW" altLang="en-US" smtClean="0"/>
-              <a:t>2016/9/4</a:t>
+              <a:pPr/>
+              <a:t>2019/2/10</a:t>
             </a:fld>
             <a:endParaRPr lang="zh-TW" altLang="en-US"/>
           </a:p>
@@ -2400,7 +2241,7 @@
       </p:sp>
       <p:sp>
         <p:nvSpPr>
-          <p:cNvPr id="6" name="図形 5"/>
+          <p:cNvPr id="6" name="頁尾版面配置區 5"/>
           <p:cNvSpPr>
             <a:spLocks noGrp="1"/>
           </p:cNvSpPr>
@@ -2419,7 +2260,7 @@
       </p:sp>
       <p:sp>
         <p:nvSpPr>
-          <p:cNvPr id="7" name="図形 6"/>
+          <p:cNvPr id="7" name="投影片編號版面配置區 6"/>
           <p:cNvSpPr>
             <a:spLocks noGrp="1"/>
           </p:cNvSpPr>
@@ -2434,6 +2275,7 @@
           <a:p>
             <a:fld id="{5EE5032E-8A12-4F9A-87EB-E0C475E91D23}" type="slidenum">
               <a:rPr lang="zh-TW" altLang="en-US" smtClean="0"/>
+              <a:pPr/>
               <a:t>‹#›</a:t>
             </a:fld>
             <a:endParaRPr lang="zh-TW" altLang="en-US"/>
@@ -2449,7 +2291,7 @@
 </file>
 
 <file path=ppt/slideLayouts/slideLayout9.xml><?xml version="1.0" encoding="utf-8"?>
-<p:sldLayout xmlns:a="http://schemas.openxmlformats.org/drawingml/2006/main" xmlns:r="http://schemas.openxmlformats.org/officeDocument/2006/relationships" xmlns:p="http://schemas.openxmlformats.org/presentationml/2006/main" showMasterSp="0" type="picTx" preserve="1">
+<p:sldLayout xmlns:a="http://schemas.openxmlformats.org/drawingml/2006/main" xmlns:r="http://schemas.openxmlformats.org/officeDocument/2006/relationships" xmlns:p="http://schemas.openxmlformats.org/presentationml/2006/main" type="picTx" preserve="1">
   <p:cSld name="含標題的圖片">
     <p:spTree>
       <p:nvGrpSpPr>
@@ -2467,7 +2309,7 @@
       </p:grpSpPr>
       <p:sp>
         <p:nvSpPr>
-          <p:cNvPr id="2" name="図形 1"/>
+          <p:cNvPr id="2" name="標題 1"/>
           <p:cNvSpPr>
             <a:spLocks noGrp="1"/>
           </p:cNvSpPr>
@@ -2477,29 +2319,29 @@
         </p:nvSpPr>
         <p:spPr>
           <a:xfrm>
-            <a:off x="1792288" y="5014914"/>
-            <a:ext cx="5486400" cy="414350"/>
+            <a:off x="1792288" y="4800600"/>
+            <a:ext cx="5486400" cy="566738"/>
           </a:xfrm>
         </p:spPr>
         <p:txBody>
           <a:bodyPr anchor="b"/>
           <a:lstStyle>
-            <a:lvl1pPr algn="ctr">
+            <a:lvl1pPr algn="l">
               <a:defRPr sz="2000" b="1"/>
             </a:lvl1pPr>
           </a:lstStyle>
           <a:p>
             <a:r>
-              <a:rPr kumimoji="1" lang="zh-TW" altLang="en-US" smtClean="0"/>
+              <a:rPr lang="zh-TW" altLang="en-US" smtClean="0"/>
               <a:t>按一下以編輯母片標題樣式</a:t>
             </a:r>
-            <a:endParaRPr kumimoji="1" lang="ja-JP" altLang="en-US" dirty="0"/>
-          </a:p>
-        </p:txBody>
-      </p:sp>
-      <p:sp>
-        <p:nvSpPr>
-          <p:cNvPr id="3" name="正方形/長方形 2"/>
+            <a:endParaRPr lang="zh-TW" altLang="en-US"/>
+          </a:p>
+        </p:txBody>
+      </p:sp>
+      <p:sp>
+        <p:nvSpPr>
+          <p:cNvPr id="3" name="圖片版面配置區 2"/>
           <p:cNvSpPr>
             <a:spLocks noGrp="1"/>
           </p:cNvSpPr>
@@ -2509,26 +2351,9 @@
         </p:nvSpPr>
         <p:spPr>
           <a:xfrm>
-            <a:off x="1792288" y="742960"/>
+            <a:off x="1792288" y="612775"/>
             <a:ext cx="5486400" cy="4114800"/>
           </a:xfrm>
-          <a:prstGeom prst="rect">
-            <a:avLst/>
-          </a:prstGeom>
-          <a:noFill/>
-          <a:ln w="50800" cap="sq">
-            <a:solidFill>
-              <a:schemeClr val="tx1"/>
-            </a:solidFill>
-            <a:miter lim="800000"/>
-          </a:ln>
-          <a:effectLst>
-            <a:outerShdw blurRad="76200" dist="50800" dir="13500000" algn="tl" rotWithShape="0">
-              <a:schemeClr val="bg1">
-                <a:alpha val="80000"/>
-              </a:schemeClr>
-            </a:outerShdw>
-          </a:effectLst>
         </p:spPr>
         <p:txBody>
           <a:bodyPr/>
@@ -2572,16 +2397,16 @@
           </a:lstStyle>
           <a:p>
             <a:r>
-              <a:rPr kumimoji="1" lang="zh-TW" altLang="en-US" smtClean="0"/>
+              <a:rPr lang="zh-TW" altLang="en-US" smtClean="0"/>
               <a:t>按一下圖示以新增圖片</a:t>
             </a:r>
-            <a:endParaRPr kumimoji="1" lang="ja-JP" altLang="en-US" dirty="0"/>
-          </a:p>
-        </p:txBody>
-      </p:sp>
-      <p:sp>
-        <p:nvSpPr>
-          <p:cNvPr id="4" name="図形 3"/>
+            <a:endParaRPr lang="zh-TW" altLang="en-US"/>
+          </a:p>
+        </p:txBody>
+      </p:sp>
+      <p:sp>
+        <p:nvSpPr>
+          <p:cNvPr id="4" name="文字版面配置區 3"/>
           <p:cNvSpPr>
             <a:spLocks noGrp="1"/>
           </p:cNvSpPr>
@@ -2591,30 +2416,30 @@
         </p:nvSpPr>
         <p:spPr>
           <a:xfrm>
-            <a:off x="1792288" y="5481658"/>
+            <a:off x="1792288" y="5367338"/>
             <a:ext cx="5486400" cy="804862"/>
           </a:xfrm>
         </p:spPr>
         <p:txBody>
           <a:bodyPr/>
           <a:lstStyle>
-            <a:lvl1pPr marL="0" indent="0" algn="ctr">
+            <a:lvl1pPr marL="0" indent="0">
               <a:buNone/>
               <a:defRPr sz="1400"/>
             </a:lvl1pPr>
-            <a:lvl2pPr marL="457200" indent="0" algn="ctr">
+            <a:lvl2pPr marL="457200" indent="0">
               <a:buNone/>
               <a:defRPr sz="1200"/>
             </a:lvl2pPr>
-            <a:lvl3pPr marL="914400" indent="0" algn="ctr">
+            <a:lvl3pPr marL="914400" indent="0">
               <a:buNone/>
               <a:defRPr sz="1000"/>
             </a:lvl3pPr>
-            <a:lvl4pPr marL="1371600" indent="0" algn="ctr">
+            <a:lvl4pPr marL="1371600" indent="0">
               <a:buNone/>
               <a:defRPr sz="900"/>
             </a:lvl4pPr>
-            <a:lvl5pPr marL="1828800" indent="0" algn="ctr">
+            <a:lvl5pPr marL="1828800" indent="0">
               <a:buNone/>
               <a:defRPr sz="900"/>
             </a:lvl5pPr>
@@ -2638,44 +2463,15 @@
           <a:p>
             <a:pPr lvl="0"/>
             <a:r>
-              <a:rPr kumimoji="1" lang="zh-TW" altLang="en-US" smtClean="0"/>
+              <a:rPr lang="zh-TW" altLang="en-US" smtClean="0"/>
               <a:t>按一下以編輯母片文字樣式</a:t>
             </a:r>
           </a:p>
-          <a:p>
-            <a:pPr lvl="1"/>
-            <a:r>
-              <a:rPr kumimoji="1" lang="zh-TW" altLang="en-US" smtClean="0"/>
-              <a:t>第二層</a:t>
-            </a:r>
-          </a:p>
-          <a:p>
-            <a:pPr lvl="2"/>
-            <a:r>
-              <a:rPr kumimoji="1" lang="zh-TW" altLang="en-US" smtClean="0"/>
-              <a:t>第三層</a:t>
-            </a:r>
-          </a:p>
-          <a:p>
-            <a:pPr lvl="3"/>
-            <a:r>
-              <a:rPr kumimoji="1" lang="zh-TW" altLang="en-US" smtClean="0"/>
-              <a:t>第四層</a:t>
-            </a:r>
-          </a:p>
-          <a:p>
-            <a:pPr lvl="4"/>
-            <a:r>
-              <a:rPr kumimoji="1" lang="zh-TW" altLang="en-US" smtClean="0"/>
-              <a:t>第五層</a:t>
-            </a:r>
-            <a:endParaRPr lang="ja-JP" dirty="0"/>
-          </a:p>
-        </p:txBody>
-      </p:sp>
-      <p:sp>
-        <p:nvSpPr>
-          <p:cNvPr id="5" name="図形 4"/>
+        </p:txBody>
+      </p:sp>
+      <p:sp>
+        <p:nvSpPr>
+          <p:cNvPr id="5" name="日期版面配置區 4"/>
           <p:cNvSpPr>
             <a:spLocks noGrp="1"/>
           </p:cNvSpPr>
@@ -2690,7 +2486,8 @@
           <a:p>
             <a:fld id="{D33DC525-72F4-4C64-B99D-0B22188FF31E}" type="datetimeFigureOut">
               <a:rPr lang="zh-TW" altLang="en-US" smtClean="0"/>
-              <a:t>2016/9/4</a:t>
+              <a:pPr/>
+              <a:t>2019/2/10</a:t>
             </a:fld>
             <a:endParaRPr lang="zh-TW" altLang="en-US"/>
           </a:p>
@@ -2698,7 +2495,7 @@
       </p:sp>
       <p:sp>
         <p:nvSpPr>
-          <p:cNvPr id="6" name="図形 5"/>
+          <p:cNvPr id="6" name="頁尾版面配置區 5"/>
           <p:cNvSpPr>
             <a:spLocks noGrp="1"/>
           </p:cNvSpPr>
@@ -2717,7 +2514,7 @@
       </p:sp>
       <p:sp>
         <p:nvSpPr>
-          <p:cNvPr id="7" name="図形 6"/>
+          <p:cNvPr id="7" name="投影片編號版面配置區 6"/>
           <p:cNvSpPr>
             <a:spLocks noGrp="1"/>
           </p:cNvSpPr>
@@ -2732,6 +2529,7 @@
           <a:p>
             <a:fld id="{5EE5032E-8A12-4F9A-87EB-E0C475E91D23}" type="slidenum">
               <a:rPr lang="zh-TW" altLang="en-US" smtClean="0"/>
+              <a:pPr/>
               <a:t>‹#›</a:t>
             </a:fld>
             <a:endParaRPr lang="zh-TW" altLang="en-US"/>
@@ -2750,9 +2548,14 @@
 <p:sldMaster xmlns:a="http://schemas.openxmlformats.org/drawingml/2006/main" xmlns:r="http://schemas.openxmlformats.org/officeDocument/2006/relationships" xmlns:p="http://schemas.openxmlformats.org/presentationml/2006/main">
   <p:cSld>
     <p:bg>
-      <p:bgRef idx="1003">
-        <a:schemeClr val="bg2"/>
-      </p:bgRef>
+      <p:bgPr>
+        <a:blipFill dpi="0" rotWithShape="1">
+          <a:blip r:embed="rId13"/>
+          <a:srcRect/>
+          <a:tile tx="0" ty="0" sx="100000" sy="100000" flip="none" algn="tl"/>
+        </a:blipFill>
+        <a:effectLst/>
+      </p:bgPr>
     </p:bg>
     <p:spTree>
       <p:nvGrpSpPr>
@@ -2770,7 +2573,40 @@
       </p:grpSpPr>
       <p:sp>
         <p:nvSpPr>
-          <p:cNvPr id="18" name="正方形/長方形 17"/>
+          <p:cNvPr id="2" name="標題版面配置區 1"/>
+          <p:cNvSpPr>
+            <a:spLocks noGrp="1"/>
+          </p:cNvSpPr>
+          <p:nvPr>
+            <p:ph type="title"/>
+          </p:nvPr>
+        </p:nvSpPr>
+        <p:spPr>
+          <a:xfrm>
+            <a:off x="457200" y="274638"/>
+            <a:ext cx="8229600" cy="1143000"/>
+          </a:xfrm>
+          <a:prstGeom prst="rect">
+            <a:avLst/>
+          </a:prstGeom>
+        </p:spPr>
+        <p:txBody>
+          <a:bodyPr vert="horz" lIns="91440" tIns="45720" rIns="91440" bIns="45720" rtlCol="0" anchor="ctr">
+            <a:normAutofit/>
+          </a:bodyPr>
+          <a:lstStyle/>
+          <a:p>
+            <a:r>
+              <a:rPr lang="zh-TW" altLang="en-US" smtClean="0"/>
+              <a:t>按一下以編輯母片標題樣式</a:t>
+            </a:r>
+            <a:endParaRPr lang="zh-TW" altLang="en-US"/>
+          </a:p>
+        </p:txBody>
+      </p:sp>
+      <p:sp>
+        <p:nvSpPr>
+          <p:cNvPr id="3" name="文字版面配置區 2"/>
           <p:cNvSpPr>
             <a:spLocks noGrp="1"/>
           </p:cNvSpPr>
@@ -2788,51 +2624,51 @@
           </a:prstGeom>
         </p:spPr>
         <p:txBody>
-          <a:bodyPr vert="horz" rtlCol="0">
+          <a:bodyPr vert="horz" lIns="91440" tIns="45720" rIns="91440" bIns="45720" rtlCol="0">
             <a:normAutofit/>
           </a:bodyPr>
           <a:lstStyle/>
           <a:p>
             <a:pPr lvl="0"/>
             <a:r>
-              <a:rPr kumimoji="1" lang="zh-TW" altLang="en-US" smtClean="0"/>
+              <a:rPr lang="zh-TW" altLang="en-US" smtClean="0"/>
               <a:t>按一下以編輯母片文字樣式</a:t>
             </a:r>
           </a:p>
           <a:p>
             <a:pPr lvl="1"/>
             <a:r>
-              <a:rPr kumimoji="1" lang="zh-TW" altLang="en-US" smtClean="0"/>
+              <a:rPr lang="zh-TW" altLang="en-US" smtClean="0"/>
               <a:t>第二層</a:t>
             </a:r>
           </a:p>
           <a:p>
             <a:pPr lvl="2"/>
             <a:r>
-              <a:rPr kumimoji="1" lang="zh-TW" altLang="en-US" smtClean="0"/>
+              <a:rPr lang="zh-TW" altLang="en-US" smtClean="0"/>
               <a:t>第三層</a:t>
             </a:r>
           </a:p>
           <a:p>
             <a:pPr lvl="3"/>
             <a:r>
-              <a:rPr kumimoji="1" lang="zh-TW" altLang="en-US" smtClean="0"/>
+              <a:rPr lang="zh-TW" altLang="en-US" smtClean="0"/>
               <a:t>第四層</a:t>
             </a:r>
           </a:p>
           <a:p>
             <a:pPr lvl="4"/>
             <a:r>
-              <a:rPr kumimoji="1" lang="zh-TW" altLang="en-US" smtClean="0"/>
+              <a:rPr lang="zh-TW" altLang="en-US" smtClean="0"/>
               <a:t>第五層</a:t>
             </a:r>
-            <a:endParaRPr kumimoji="1" lang="ja-JP" altLang="en-US" dirty="0"/>
-          </a:p>
-        </p:txBody>
-      </p:sp>
-      <p:sp>
-        <p:nvSpPr>
-          <p:cNvPr id="29" name="正方形/長方形 28"/>
+            <a:endParaRPr lang="zh-TW" altLang="en-US"/>
+          </a:p>
+        </p:txBody>
+      </p:sp>
+      <p:sp>
+        <p:nvSpPr>
+          <p:cNvPr id="4" name="日期版面配置區 3"/>
           <p:cNvSpPr>
             <a:spLocks noGrp="1"/>
           </p:cNvSpPr>
@@ -2850,12 +2686,14 @@
           </a:prstGeom>
         </p:spPr>
         <p:txBody>
-          <a:bodyPr vert="horz" rtlCol="0" anchor="ctr"/>
+          <a:bodyPr vert="horz" lIns="91440" tIns="45720" rIns="91440" bIns="45720" rtlCol="0" anchor="ctr"/>
           <a:lstStyle>
             <a:lvl1pPr algn="l">
               <a:defRPr sz="1200">
                 <a:solidFill>
-                  <a:schemeClr val="bg1"/>
+                  <a:schemeClr val="tx1">
+                    <a:tint val="75000"/>
+                  </a:schemeClr>
                 </a:solidFill>
               </a:defRPr>
             </a:lvl1pPr>
@@ -2863,7 +2701,8 @@
           <a:p>
             <a:fld id="{D33DC525-72F4-4C64-B99D-0B22188FF31E}" type="datetimeFigureOut">
               <a:rPr lang="zh-TW" altLang="en-US" smtClean="0"/>
-              <a:t>2016/9/4</a:t>
+              <a:pPr/>
+              <a:t>2019/2/10</a:t>
             </a:fld>
             <a:endParaRPr lang="zh-TW" altLang="en-US"/>
           </a:p>
@@ -2871,7 +2710,7 @@
       </p:sp>
       <p:sp>
         <p:nvSpPr>
-          <p:cNvPr id="4" name="正方形/長方形 3"/>
+          <p:cNvPr id="5" name="頁尾版面配置區 4"/>
           <p:cNvSpPr>
             <a:spLocks noGrp="1"/>
           </p:cNvSpPr>
@@ -2889,7 +2728,7 @@
           </a:prstGeom>
         </p:spPr>
         <p:txBody>
-          <a:bodyPr vert="horz" rtlCol="0" anchor="ctr"/>
+          <a:bodyPr vert="horz" lIns="91440" tIns="45720" rIns="91440" bIns="45720" rtlCol="0" anchor="ctr"/>
           <a:lstStyle>
             <a:lvl1pPr algn="ctr">
               <a:defRPr sz="1200">
@@ -2908,7 +2747,7 @@
       </p:sp>
       <p:sp>
         <p:nvSpPr>
-          <p:cNvPr id="10" name="正方形/長方形 9"/>
+          <p:cNvPr id="6" name="投影片編號版面配置區 5"/>
           <p:cNvSpPr>
             <a:spLocks noGrp="1"/>
           </p:cNvSpPr>
@@ -2926,12 +2765,14 @@
           </a:prstGeom>
         </p:spPr>
         <p:txBody>
-          <a:bodyPr vert="horz" rtlCol="0" anchor="ctr"/>
+          <a:bodyPr vert="horz" lIns="91440" tIns="45720" rIns="91440" bIns="45720" rtlCol="0" anchor="ctr"/>
           <a:lstStyle>
             <a:lvl1pPr algn="r">
               <a:defRPr sz="1200">
                 <a:solidFill>
-                  <a:schemeClr val="bg1"/>
+                  <a:schemeClr val="tx1">
+                    <a:tint val="75000"/>
+                  </a:schemeClr>
                 </a:solidFill>
               </a:defRPr>
             </a:lvl1pPr>
@@ -2939,43 +2780,10 @@
           <a:p>
             <a:fld id="{5EE5032E-8A12-4F9A-87EB-E0C475E91D23}" type="slidenum">
               <a:rPr lang="zh-TW" altLang="en-US" smtClean="0"/>
+              <a:pPr/>
               <a:t>‹#›</a:t>
             </a:fld>
             <a:endParaRPr lang="zh-TW" altLang="en-US"/>
-          </a:p>
-        </p:txBody>
-      </p:sp>
-      <p:sp>
-        <p:nvSpPr>
-          <p:cNvPr id="22" name="正方形/長方形 21"/>
-          <p:cNvSpPr>
-            <a:spLocks noGrp="1"/>
-          </p:cNvSpPr>
-          <p:nvPr>
-            <p:ph type="title"/>
-          </p:nvPr>
-        </p:nvSpPr>
-        <p:spPr>
-          <a:xfrm>
-            <a:off x="457200" y="274638"/>
-            <a:ext cx="8229600" cy="1143000"/>
-          </a:xfrm>
-          <a:prstGeom prst="rect">
-            <a:avLst/>
-          </a:prstGeom>
-          <a:noFill/>
-        </p:spPr>
-        <p:txBody>
-          <a:bodyPr vert="horz" rtlCol="0" anchor="ctr">
-            <a:normAutofit/>
-          </a:bodyPr>
-          <a:lstStyle/>
-          <a:p>
-            <a:r>
-              <a:rPr kumimoji="1" lang="zh-TW" altLang="en-US" smtClean="0"/>
-              <a:t>按一下以編輯母片標題樣式</a:t>
-            </a:r>
-            <a:endParaRPr kumimoji="1" lang="ja-JP" altLang="en-US" dirty="0"/>
           </a:p>
         </p:txBody>
       </p:sp>
@@ -2983,63 +2791,29 @@
   </p:cSld>
   <p:clrMap bg1="lt1" tx1="dk1" bg2="lt2" tx2="dk2" accent1="accent1" accent2="accent2" accent3="accent3" accent4="accent4" accent5="accent5" accent6="accent6" hlink="hlink" folHlink="folHlink"/>
   <p:sldLayoutIdLst>
-    <p:sldLayoutId id="2147483661" r:id="rId1"/>
-    <p:sldLayoutId id="2147483662" r:id="rId2"/>
-    <p:sldLayoutId id="2147483663" r:id="rId3"/>
-    <p:sldLayoutId id="2147483664" r:id="rId4"/>
-    <p:sldLayoutId id="2147483665" r:id="rId5"/>
-    <p:sldLayoutId id="2147483666" r:id="rId6"/>
-    <p:sldLayoutId id="2147483667" r:id="rId7"/>
-    <p:sldLayoutId id="2147483668" r:id="rId8"/>
-    <p:sldLayoutId id="2147483669" r:id="rId9"/>
-    <p:sldLayoutId id="2147483670" r:id="rId10"/>
-    <p:sldLayoutId id="2147483671" r:id="rId11"/>
+    <p:sldLayoutId id="2147483673" r:id="rId1"/>
+    <p:sldLayoutId id="2147483674" r:id="rId2"/>
+    <p:sldLayoutId id="2147483675" r:id="rId3"/>
+    <p:sldLayoutId id="2147483676" r:id="rId4"/>
+    <p:sldLayoutId id="2147483677" r:id="rId5"/>
+    <p:sldLayoutId id="2147483678" r:id="rId6"/>
+    <p:sldLayoutId id="2147483679" r:id="rId7"/>
+    <p:sldLayoutId id="2147483680" r:id="rId8"/>
+    <p:sldLayoutId id="2147483681" r:id="rId9"/>
+    <p:sldLayoutId id="2147483682" r:id="rId10"/>
+    <p:sldLayoutId id="2147483683" r:id="rId11"/>
   </p:sldLayoutIdLst>
   <p:txStyles>
     <p:titleStyle>
-      <a:lvl1pPr algn="ctr" rtl="0" eaLnBrk="1" latinLnBrk="0" hangingPunct="1">
+      <a:lvl1pPr algn="ctr" defTabSz="914400" rtl="0" eaLnBrk="1" latinLnBrk="0" hangingPunct="1">
         <a:spcBef>
           <a:spcPct val="0"/>
         </a:spcBef>
         <a:buNone/>
-        <a:defRPr kumimoji="1" sz="4400" baseline="0">
-          <a:ln w="12700">
-            <a:solidFill>
-              <a:schemeClr val="tx1">
-                <a:tint val="95000"/>
-              </a:schemeClr>
-            </a:solidFill>
-          </a:ln>
-          <a:gradFill>
-            <a:gsLst>
-              <a:gs pos="0">
-                <a:schemeClr val="tx1">
-                  <a:tint val="65000"/>
-                </a:schemeClr>
-              </a:gs>
-              <a:gs pos="49900">
-                <a:schemeClr val="tx1">
-                  <a:tint val="95000"/>
-                </a:schemeClr>
-              </a:gs>
-              <a:gs pos="50000">
-                <a:schemeClr val="tx1"/>
-              </a:gs>
-              <a:gs pos="100000">
-                <a:schemeClr val="tx1">
-                  <a:tint val="95000"/>
-                </a:schemeClr>
-              </a:gs>
-            </a:gsLst>
-            <a:lin ang="5400000" scaled="1"/>
-          </a:gradFill>
-          <a:effectLst>
-            <a:outerShdw blurRad="127000" algn="tl" rotWithShape="0">
-              <a:schemeClr val="bg1">
-                <a:alpha val="50000"/>
-              </a:schemeClr>
-            </a:outerShdw>
-          </a:effectLst>
+        <a:defRPr sz="4400" kern="1200">
+          <a:solidFill>
+            <a:schemeClr val="tx1"/>
+          </a:solidFill>
           <a:latin typeface="+mj-lt"/>
           <a:ea typeface="+mj-ea"/>
           <a:cs typeface="+mj-cs"/>
@@ -3047,184 +2821,135 @@
       </a:lvl1pPr>
     </p:titleStyle>
     <p:bodyStyle>
-      <a:lvl1pPr marL="342900" indent="-342900" algn="l" rtl="0" eaLnBrk="1" latinLnBrk="0" hangingPunct="1">
+      <a:lvl1pPr marL="342900" indent="-342900" algn="l" defTabSz="914400" rtl="0" eaLnBrk="1" latinLnBrk="0" hangingPunct="1">
         <a:spcBef>
           <a:spcPct val="20000"/>
         </a:spcBef>
-        <a:buClr>
-          <a:schemeClr val="tx1"/>
-        </a:buClr>
-        <a:buFont typeface="Wingdings"/>
-        <a:buChar char="n"/>
-        <a:defRPr kumimoji="1" sz="3200" baseline="0">
+        <a:buFont typeface="Arial" pitchFamily="34" charset="0"/>
+        <a:buChar char="•"/>
+        <a:defRPr sz="3200" kern="1200">
           <a:solidFill>
-            <a:schemeClr val="tx2"/>
+            <a:schemeClr val="tx1"/>
           </a:solidFill>
           <a:latin typeface="+mn-lt"/>
           <a:ea typeface="+mn-ea"/>
           <a:cs typeface="+mn-cs"/>
         </a:defRPr>
       </a:lvl1pPr>
-      <a:lvl2pPr marL="742950" indent="-285750" algn="l" rtl="0" eaLnBrk="1" latinLnBrk="0" hangingPunct="1">
+      <a:lvl2pPr marL="742950" indent="-285750" algn="l" defTabSz="914400" rtl="0" eaLnBrk="1" latinLnBrk="0" hangingPunct="1">
         <a:spcBef>
           <a:spcPct val="20000"/>
         </a:spcBef>
-        <a:buClr>
-          <a:schemeClr val="tx2">
-            <a:shade val="75000"/>
-          </a:schemeClr>
-        </a:buClr>
-        <a:buSzPct val="85000"/>
-        <a:buFont typeface="Wingdings"/>
-        <a:buChar char="n"/>
-        <a:defRPr kumimoji="1" sz="2800" baseline="0">
+        <a:buFont typeface="Arial" pitchFamily="34" charset="0"/>
+        <a:buChar char="–"/>
+        <a:defRPr sz="2800" kern="1200">
           <a:solidFill>
-            <a:schemeClr val="tx2"/>
+            <a:schemeClr val="tx1"/>
           </a:solidFill>
           <a:latin typeface="+mn-lt"/>
           <a:ea typeface="+mn-ea"/>
           <a:cs typeface="+mn-cs"/>
         </a:defRPr>
       </a:lvl2pPr>
-      <a:lvl3pPr marL="1143000" indent="-228600" algn="l" rtl="0" eaLnBrk="1" latinLnBrk="0" hangingPunct="1">
+      <a:lvl3pPr marL="1143000" indent="-228600" algn="l" defTabSz="914400" rtl="0" eaLnBrk="1" latinLnBrk="0" hangingPunct="1">
         <a:spcBef>
           <a:spcPct val="20000"/>
         </a:spcBef>
-        <a:buClr>
-          <a:schemeClr val="accent4">
-            <a:shade val="50000"/>
-          </a:schemeClr>
-        </a:buClr>
-        <a:buSzPct val="75000"/>
-        <a:buFont typeface="Wingdings"/>
-        <a:buChar char="n"/>
-        <a:defRPr kumimoji="1" sz="2400" baseline="0">
+        <a:buFont typeface="Arial" pitchFamily="34" charset="0"/>
+        <a:buChar char="•"/>
+        <a:defRPr sz="2400" kern="1200">
           <a:solidFill>
-            <a:schemeClr val="tx2"/>
+            <a:schemeClr val="tx1"/>
           </a:solidFill>
           <a:latin typeface="+mn-lt"/>
           <a:ea typeface="+mn-ea"/>
           <a:cs typeface="+mn-cs"/>
         </a:defRPr>
       </a:lvl3pPr>
-      <a:lvl4pPr marL="1600200" indent="-228600" algn="l" rtl="0" eaLnBrk="1" latinLnBrk="0" hangingPunct="1">
+      <a:lvl4pPr marL="1600200" indent="-228600" algn="l" defTabSz="914400" rtl="0" eaLnBrk="1" latinLnBrk="0" hangingPunct="1">
         <a:spcBef>
           <a:spcPct val="20000"/>
         </a:spcBef>
-        <a:buClr>
-          <a:schemeClr val="accent6">
-            <a:shade val="50000"/>
-          </a:schemeClr>
-        </a:buClr>
-        <a:buSzPct val="75000"/>
-        <a:buFont typeface="Wingdings"/>
-        <a:buChar char="n"/>
-        <a:defRPr kumimoji="1" sz="2000" baseline="0">
+        <a:buFont typeface="Arial" pitchFamily="34" charset="0"/>
+        <a:buChar char="–"/>
+        <a:defRPr sz="2000" kern="1200">
           <a:solidFill>
-            <a:schemeClr val="tx2"/>
+            <a:schemeClr val="tx1"/>
           </a:solidFill>
           <a:latin typeface="+mn-lt"/>
           <a:ea typeface="+mn-ea"/>
           <a:cs typeface="+mn-cs"/>
         </a:defRPr>
       </a:lvl4pPr>
-      <a:lvl5pPr marL="2057400" indent="-228600" algn="l" rtl="0" eaLnBrk="1" latinLnBrk="0" hangingPunct="1">
+      <a:lvl5pPr marL="2057400" indent="-228600" algn="l" defTabSz="914400" rtl="0" eaLnBrk="1" latinLnBrk="0" hangingPunct="1">
         <a:spcBef>
           <a:spcPct val="20000"/>
         </a:spcBef>
-        <a:buClr>
-          <a:schemeClr val="accent3">
-            <a:shade val="50000"/>
-          </a:schemeClr>
-        </a:buClr>
-        <a:buSzPct val="70000"/>
-        <a:buFont typeface="Wingdings"/>
-        <a:buChar char="n"/>
-        <a:defRPr kumimoji="1" sz="2000" baseline="0">
+        <a:buFont typeface="Arial" pitchFamily="34" charset="0"/>
+        <a:buChar char="»"/>
+        <a:defRPr sz="2000" kern="1200">
           <a:solidFill>
-            <a:schemeClr val="tx2"/>
+            <a:schemeClr val="tx1"/>
           </a:solidFill>
           <a:latin typeface="+mn-lt"/>
           <a:ea typeface="+mn-ea"/>
           <a:cs typeface="+mn-cs"/>
         </a:defRPr>
       </a:lvl5pPr>
-      <a:lvl6pPr marL="2514600" indent="-228600" algn="l" rtl="0" eaLnBrk="1" latinLnBrk="0" hangingPunct="1">
+      <a:lvl6pPr marL="2514600" indent="-228600" algn="l" defTabSz="914400" rtl="0" eaLnBrk="1" latinLnBrk="0" hangingPunct="1">
         <a:spcBef>
           <a:spcPct val="20000"/>
         </a:spcBef>
-        <a:buClr>
-          <a:schemeClr val="accent1">
-            <a:shade val="50000"/>
-          </a:schemeClr>
-        </a:buClr>
-        <a:buSzPct val="60000"/>
-        <a:buFont typeface="Wingdings"/>
-        <a:buChar char="n"/>
-        <a:defRPr kumimoji="1" sz="2000">
+        <a:buFont typeface="Arial" pitchFamily="34" charset="0"/>
+        <a:buChar char="•"/>
+        <a:defRPr sz="2000" kern="1200">
           <a:solidFill>
-            <a:schemeClr val="tx2"/>
+            <a:schemeClr val="tx1"/>
           </a:solidFill>
           <a:latin typeface="+mn-lt"/>
           <a:ea typeface="+mn-ea"/>
           <a:cs typeface="+mn-cs"/>
         </a:defRPr>
       </a:lvl6pPr>
-      <a:lvl7pPr marL="2971800" indent="-228600" algn="l" rtl="0" eaLnBrk="1" latinLnBrk="0" hangingPunct="1">
+      <a:lvl7pPr marL="2971800" indent="-228600" algn="l" defTabSz="914400" rtl="0" eaLnBrk="1" latinLnBrk="0" hangingPunct="1">
         <a:spcBef>
           <a:spcPct val="20000"/>
         </a:spcBef>
-        <a:buClr>
-          <a:schemeClr val="accent2">
-            <a:shade val="50000"/>
-          </a:schemeClr>
-        </a:buClr>
-        <a:buSzPct val="60000"/>
-        <a:buFont typeface="Wingdings"/>
-        <a:buChar char="n"/>
-        <a:defRPr kumimoji="1" sz="2000">
+        <a:buFont typeface="Arial" pitchFamily="34" charset="0"/>
+        <a:buChar char="•"/>
+        <a:defRPr sz="2000" kern="1200">
           <a:solidFill>
-            <a:schemeClr val="tx2"/>
+            <a:schemeClr val="tx1"/>
           </a:solidFill>
           <a:latin typeface="+mn-lt"/>
           <a:ea typeface="+mn-ea"/>
           <a:cs typeface="+mn-cs"/>
         </a:defRPr>
       </a:lvl7pPr>
-      <a:lvl8pPr marL="3429000" indent="-228600" algn="l" rtl="0" eaLnBrk="1" latinLnBrk="0" hangingPunct="1">
+      <a:lvl8pPr marL="3429000" indent="-228600" algn="l" defTabSz="914400" rtl="0" eaLnBrk="1" latinLnBrk="0" hangingPunct="1">
         <a:spcBef>
           <a:spcPct val="20000"/>
         </a:spcBef>
-        <a:buClr>
-          <a:schemeClr val="accent5">
-            <a:shade val="50000"/>
-          </a:schemeClr>
-        </a:buClr>
-        <a:buSzPct val="60000"/>
-        <a:buFont typeface="Wingdings"/>
-        <a:buChar char="n"/>
-        <a:defRPr kumimoji="1" sz="2000">
+        <a:buFont typeface="Arial" pitchFamily="34" charset="0"/>
+        <a:buChar char="•"/>
+        <a:defRPr sz="2000" kern="1200">
           <a:solidFill>
-            <a:schemeClr val="tx2"/>
+            <a:schemeClr val="tx1"/>
           </a:solidFill>
           <a:latin typeface="+mn-lt"/>
           <a:ea typeface="+mn-ea"/>
           <a:cs typeface="+mn-cs"/>
         </a:defRPr>
       </a:lvl8pPr>
-      <a:lvl9pPr marL="3886200" indent="-228600" algn="l" rtl="0" eaLnBrk="1" latinLnBrk="0" hangingPunct="1">
+      <a:lvl9pPr marL="3886200" indent="-228600" algn="l" defTabSz="914400" rtl="0" eaLnBrk="1" latinLnBrk="0" hangingPunct="1">
         <a:spcBef>
           <a:spcPct val="20000"/>
         </a:spcBef>
-        <a:buClr>
-          <a:schemeClr val="tx1"/>
-        </a:buClr>
-        <a:buSzPct val="50000"/>
-        <a:buFont typeface="Wingdings"/>
-        <a:buChar char="n"/>
-        <a:defRPr kumimoji="1" sz="2000">
+        <a:buFont typeface="Arial" pitchFamily="34" charset="0"/>
+        <a:buChar char="•"/>
+        <a:defRPr sz="2000" kern="1200">
           <a:solidFill>
-            <a:schemeClr val="tx2"/>
+            <a:schemeClr val="tx1"/>
           </a:solidFill>
           <a:latin typeface="+mn-lt"/>
           <a:ea typeface="+mn-ea"/>
@@ -3233,8 +2958,11 @@
       </a:lvl9pPr>
     </p:bodyStyle>
     <p:otherStyle>
-      <a:lvl1pPr marL="0" algn="l" rtl="0" eaLnBrk="1" hangingPunct="1">
-        <a:defRPr kumimoji="1">
+      <a:defPPr>
+        <a:defRPr lang="zh-TW"/>
+      </a:defPPr>
+      <a:lvl1pPr marL="0" algn="l" defTabSz="914400" rtl="0" eaLnBrk="1" latinLnBrk="0" hangingPunct="1">
+        <a:defRPr sz="1800" kern="1200">
           <a:solidFill>
             <a:schemeClr val="tx1"/>
           </a:solidFill>
@@ -3243,8 +2971,8 @@
           <a:cs typeface="+mn-cs"/>
         </a:defRPr>
       </a:lvl1pPr>
-      <a:lvl2pPr marL="457200" algn="l" rtl="0" eaLnBrk="1" hangingPunct="1">
-        <a:defRPr kumimoji="1">
+      <a:lvl2pPr marL="457200" algn="l" defTabSz="914400" rtl="0" eaLnBrk="1" latinLnBrk="0" hangingPunct="1">
+        <a:defRPr sz="1800" kern="1200">
           <a:solidFill>
             <a:schemeClr val="tx1"/>
           </a:solidFill>
@@ -3253,8 +2981,8 @@
           <a:cs typeface="+mn-cs"/>
         </a:defRPr>
       </a:lvl2pPr>
-      <a:lvl3pPr marL="914400" algn="l" rtl="0" eaLnBrk="1" hangingPunct="1">
-        <a:defRPr kumimoji="1">
+      <a:lvl3pPr marL="914400" algn="l" defTabSz="914400" rtl="0" eaLnBrk="1" latinLnBrk="0" hangingPunct="1">
+        <a:defRPr sz="1800" kern="1200">
           <a:solidFill>
             <a:schemeClr val="tx1"/>
           </a:solidFill>
@@ -3263,8 +2991,8 @@
           <a:cs typeface="+mn-cs"/>
         </a:defRPr>
       </a:lvl3pPr>
-      <a:lvl4pPr marL="1371600" algn="l" rtl="0" eaLnBrk="1" hangingPunct="1">
-        <a:defRPr kumimoji="1">
+      <a:lvl4pPr marL="1371600" algn="l" defTabSz="914400" rtl="0" eaLnBrk="1" latinLnBrk="0" hangingPunct="1">
+        <a:defRPr sz="1800" kern="1200">
           <a:solidFill>
             <a:schemeClr val="tx1"/>
           </a:solidFill>
@@ -3273,8 +3001,8 @@
           <a:cs typeface="+mn-cs"/>
         </a:defRPr>
       </a:lvl4pPr>
-      <a:lvl5pPr marL="1828800" algn="l" rtl="0" eaLnBrk="1" hangingPunct="1">
-        <a:defRPr kumimoji="1">
+      <a:lvl5pPr marL="1828800" algn="l" defTabSz="914400" rtl="0" eaLnBrk="1" latinLnBrk="0" hangingPunct="1">
+        <a:defRPr sz="1800" kern="1200">
           <a:solidFill>
             <a:schemeClr val="tx1"/>
           </a:solidFill>
@@ -3283,8 +3011,8 @@
           <a:cs typeface="+mn-cs"/>
         </a:defRPr>
       </a:lvl5pPr>
-      <a:lvl6pPr marL="2286000" algn="l" rtl="0" eaLnBrk="1" hangingPunct="1">
-        <a:defRPr kumimoji="1">
+      <a:lvl6pPr marL="2286000" algn="l" defTabSz="914400" rtl="0" eaLnBrk="1" latinLnBrk="0" hangingPunct="1">
+        <a:defRPr sz="1800" kern="1200">
           <a:solidFill>
             <a:schemeClr val="tx1"/>
           </a:solidFill>
@@ -3293,8 +3021,8 @@
           <a:cs typeface="+mn-cs"/>
         </a:defRPr>
       </a:lvl6pPr>
-      <a:lvl7pPr marL="2743200" algn="l" rtl="0" eaLnBrk="1" hangingPunct="1">
-        <a:defRPr kumimoji="1">
+      <a:lvl7pPr marL="2743200" algn="l" defTabSz="914400" rtl="0" eaLnBrk="1" latinLnBrk="0" hangingPunct="1">
+        <a:defRPr sz="1800" kern="1200">
           <a:solidFill>
             <a:schemeClr val="tx1"/>
           </a:solidFill>
@@ -3303,8 +3031,8 @@
           <a:cs typeface="+mn-cs"/>
         </a:defRPr>
       </a:lvl7pPr>
-      <a:lvl8pPr marL="3200400" algn="l" rtl="0" eaLnBrk="1" hangingPunct="1">
-        <a:defRPr kumimoji="1">
+      <a:lvl8pPr marL="3200400" algn="l" defTabSz="914400" rtl="0" eaLnBrk="1" latinLnBrk="0" hangingPunct="1">
+        <a:defRPr sz="1800" kern="1200">
           <a:solidFill>
             <a:schemeClr val="tx1"/>
           </a:solidFill>
@@ -3313,8 +3041,8 @@
           <a:cs typeface="+mn-cs"/>
         </a:defRPr>
       </a:lvl8pPr>
-      <a:lvl9pPr marL="3657600" algn="l" rtl="0" eaLnBrk="1" hangingPunct="1">
-        <a:defRPr kumimoji="1">
+      <a:lvl9pPr marL="3657600" algn="l" defTabSz="914400" rtl="0" eaLnBrk="1" latinLnBrk="0" hangingPunct="1">
+        <a:defRPr sz="1800" kern="1200">
           <a:solidFill>
             <a:schemeClr val="tx1"/>
           </a:solidFill>
@@ -3361,10 +3089,16 @@
           <a:lstStyle/>
           <a:p>
             <a:r>
-              <a:rPr lang="zh-CN" altLang="en-US" dirty="0" smtClean="0"/>
+              <a:rPr lang="zh-CN" altLang="en-US" b="1" dirty="0" smtClean="0">
+                <a:latin typeface="微軟正黑體" pitchFamily="34" charset="-120"/>
+                <a:ea typeface="微軟正黑體" pitchFamily="34" charset="-120"/>
+              </a:rPr>
               <a:t>像基督</a:t>
             </a:r>
-            <a:endParaRPr lang="zh-TW" altLang="en-US" dirty="0"/>
+            <a:endParaRPr lang="zh-TW" altLang="en-US" b="1" dirty="0">
+              <a:latin typeface="微軟正黑體" pitchFamily="34" charset="-120"/>
+              <a:ea typeface="微軟正黑體" pitchFamily="34" charset="-120"/>
+            </a:endParaRPr>
           </a:p>
         </p:txBody>
       </p:sp>
@@ -3389,7 +3123,10 @@
               <a:buNone/>
             </a:pPr>
             <a:r>
-              <a:rPr lang="zh-TW" altLang="en-US" sz="5400" dirty="0"/>
+              <a:rPr lang="zh-TW" altLang="en-US" sz="5400" b="1" dirty="0">
+                <a:latin typeface="微軟正黑體" pitchFamily="34" charset="-120"/>
+                <a:ea typeface="微軟正黑體" pitchFamily="34" charset="-120"/>
+              </a:rPr>
               <a:t>榮耀之救主我真願像你</a:t>
             </a:r>
           </a:p>
@@ -3398,7 +3135,10 @@
               <a:buNone/>
             </a:pPr>
             <a:r>
-              <a:rPr lang="zh-TW" altLang="en-US" sz="5400" dirty="0"/>
+              <a:rPr lang="zh-TW" altLang="en-US" sz="5400" b="1" dirty="0">
+                <a:latin typeface="微軟正黑體" pitchFamily="34" charset="-120"/>
+                <a:ea typeface="微軟正黑體" pitchFamily="34" charset="-120"/>
+              </a:rPr>
               <a:t>此是我盼望乃我禱告</a:t>
             </a:r>
           </a:p>
@@ -3407,7 +3147,10 @@
               <a:buNone/>
             </a:pPr>
             <a:r>
-              <a:rPr lang="zh-TW" altLang="en-US" sz="5400" dirty="0"/>
+              <a:rPr lang="zh-TW" altLang="en-US" sz="5400" b="1" dirty="0">
+                <a:latin typeface="微軟正黑體" pitchFamily="34" charset="-120"/>
+                <a:ea typeface="微軟正黑體" pitchFamily="34" charset="-120"/>
+              </a:rPr>
               <a:t>我今願捨棄世上之財寶</a:t>
             </a:r>
           </a:p>
@@ -3416,7 +3159,10 @@
               <a:buNone/>
             </a:pPr>
             <a:r>
-              <a:rPr lang="zh-TW" altLang="en-US" sz="5400" dirty="0"/>
+              <a:rPr lang="zh-TW" altLang="en-US" sz="5400" b="1" dirty="0">
+                <a:latin typeface="微軟正黑體" pitchFamily="34" charset="-120"/>
+                <a:ea typeface="微軟正黑體" pitchFamily="34" charset="-120"/>
+              </a:rPr>
               <a:t>披戴主基督守主聖道</a:t>
             </a:r>
           </a:p>
@@ -3459,39 +3205,50 @@
         </p:nvSpPr>
         <p:spPr/>
         <p:txBody>
-          <a:bodyPr/>
-          <a:lstStyle/>
-          <a:p>
-            <a:r>
-              <a:rPr lang="zh-CN" altLang="en-US" dirty="0" smtClean="0"/>
-              <a:t>像基督</a:t>
-            </a:r>
-            <a:endParaRPr lang="zh-TW" altLang="en-US" dirty="0"/>
-          </a:p>
-        </p:txBody>
-      </p:sp>
-      <p:sp>
-        <p:nvSpPr>
-          <p:cNvPr id="5" name="內容版面配置區 4"/>
-          <p:cNvSpPr>
-            <a:spLocks noGrp="1"/>
-          </p:cNvSpPr>
-          <p:nvPr>
-            <p:ph idx="1"/>
-          </p:nvPr>
-        </p:nvSpPr>
-        <p:spPr/>
-        <p:txBody>
           <a:bodyPr>
             <a:normAutofit/>
           </a:bodyPr>
           <a:lstStyle/>
           <a:p>
+            <a:r>
+              <a:rPr lang="zh-CN" altLang="en-US" b="1" dirty="0" smtClean="0">
+                <a:latin typeface="微軟正黑體" pitchFamily="34" charset="-120"/>
+                <a:ea typeface="微軟正黑體" pitchFamily="34" charset="-120"/>
+              </a:rPr>
+              <a:t>像基督</a:t>
+            </a:r>
+            <a:endParaRPr lang="zh-TW" altLang="en-US" b="1" dirty="0">
+              <a:latin typeface="微軟正黑體" pitchFamily="34" charset="-120"/>
+              <a:ea typeface="微軟正黑體" pitchFamily="34" charset="-120"/>
+            </a:endParaRPr>
+          </a:p>
+        </p:txBody>
+      </p:sp>
+      <p:sp>
+        <p:nvSpPr>
+          <p:cNvPr id="5" name="內容版面配置區 4"/>
+          <p:cNvSpPr>
+            <a:spLocks noGrp="1"/>
+          </p:cNvSpPr>
+          <p:nvPr>
+            <p:ph idx="1"/>
+          </p:nvPr>
+        </p:nvSpPr>
+        <p:spPr/>
+        <p:txBody>
+          <a:bodyPr>
+            <a:normAutofit/>
+          </a:bodyPr>
+          <a:lstStyle/>
+          <a:p>
             <a:pPr algn="ctr">
               <a:buNone/>
             </a:pPr>
             <a:r>
-              <a:rPr lang="zh-TW" altLang="en-US" sz="5400" dirty="0"/>
+              <a:rPr lang="zh-TW" altLang="en-US" sz="5400" b="1" dirty="0">
+                <a:latin typeface="微軟正黑體" pitchFamily="34" charset="-120"/>
+                <a:ea typeface="微軟正黑體" pitchFamily="34" charset="-120"/>
+              </a:rPr>
               <a:t>主我願像你 主我願像你</a:t>
             </a:r>
           </a:p>
@@ -3500,7 +3257,10 @@
               <a:buNone/>
             </a:pPr>
             <a:r>
-              <a:rPr lang="zh-TW" altLang="en-US" sz="5400" dirty="0"/>
+              <a:rPr lang="zh-TW" altLang="en-US" sz="5400" b="1" dirty="0">
+                <a:latin typeface="微軟正黑體" pitchFamily="34" charset="-120"/>
+                <a:ea typeface="微軟正黑體" pitchFamily="34" charset="-120"/>
+              </a:rPr>
               <a:t>榮耀之救主 潔淨像你</a:t>
             </a:r>
           </a:p>
@@ -3509,7 +3269,10 @@
               <a:buNone/>
             </a:pPr>
             <a:r>
-              <a:rPr lang="zh-TW" altLang="en-US" sz="5400" dirty="0"/>
+              <a:rPr lang="zh-TW" altLang="en-US" sz="5400" b="1" dirty="0">
+                <a:latin typeface="微軟正黑體" pitchFamily="34" charset="-120"/>
+                <a:ea typeface="微軟正黑體" pitchFamily="34" charset="-120"/>
+              </a:rPr>
               <a:t>願豐富恩典進入我心裡</a:t>
             </a:r>
           </a:p>
@@ -3518,7 +3281,10 @@
               <a:buNone/>
             </a:pPr>
             <a:r>
-              <a:rPr lang="zh-TW" altLang="en-US" sz="5400" dirty="0"/>
+              <a:rPr lang="zh-TW" altLang="en-US" sz="5400" b="1" dirty="0">
+                <a:latin typeface="微軟正黑體" pitchFamily="34" charset="-120"/>
+                <a:ea typeface="微軟正黑體" pitchFamily="34" charset="-120"/>
+              </a:rPr>
               <a:t>致主之榮形深印心裡</a:t>
             </a:r>
           </a:p>
@@ -3561,39 +3327,50 @@
         </p:nvSpPr>
         <p:spPr/>
         <p:txBody>
-          <a:bodyPr/>
-          <a:lstStyle/>
-          <a:p>
-            <a:r>
-              <a:rPr lang="zh-CN" altLang="en-US" dirty="0" smtClean="0"/>
-              <a:t>像基督</a:t>
-            </a:r>
-            <a:endParaRPr lang="zh-TW" altLang="en-US" dirty="0"/>
-          </a:p>
-        </p:txBody>
-      </p:sp>
-      <p:sp>
-        <p:nvSpPr>
-          <p:cNvPr id="5" name="內容版面配置區 4"/>
-          <p:cNvSpPr>
-            <a:spLocks noGrp="1"/>
-          </p:cNvSpPr>
-          <p:nvPr>
-            <p:ph idx="1"/>
-          </p:nvPr>
-        </p:nvSpPr>
-        <p:spPr/>
-        <p:txBody>
           <a:bodyPr>
             <a:normAutofit/>
           </a:bodyPr>
           <a:lstStyle/>
           <a:p>
+            <a:r>
+              <a:rPr lang="zh-CN" altLang="en-US" b="1" dirty="0" smtClean="0">
+                <a:latin typeface="微軟正黑體" pitchFamily="34" charset="-120"/>
+                <a:ea typeface="微軟正黑體" pitchFamily="34" charset="-120"/>
+              </a:rPr>
+              <a:t>像基督</a:t>
+            </a:r>
+            <a:endParaRPr lang="zh-TW" altLang="en-US" b="1" dirty="0">
+              <a:latin typeface="微軟正黑體" pitchFamily="34" charset="-120"/>
+              <a:ea typeface="微軟正黑體" pitchFamily="34" charset="-120"/>
+            </a:endParaRPr>
+          </a:p>
+        </p:txBody>
+      </p:sp>
+      <p:sp>
+        <p:nvSpPr>
+          <p:cNvPr id="5" name="內容版面配置區 4"/>
+          <p:cNvSpPr>
+            <a:spLocks noGrp="1"/>
+          </p:cNvSpPr>
+          <p:nvPr>
+            <p:ph idx="1"/>
+          </p:nvPr>
+        </p:nvSpPr>
+        <p:spPr/>
+        <p:txBody>
+          <a:bodyPr>
+            <a:normAutofit/>
+          </a:bodyPr>
+          <a:lstStyle/>
+          <a:p>
             <a:pPr algn="ctr">
               <a:buNone/>
             </a:pPr>
             <a:r>
-              <a:rPr lang="zh-TW" altLang="en-US" sz="5400" dirty="0"/>
+              <a:rPr lang="zh-TW" altLang="en-US" sz="5400" b="1" dirty="0">
+                <a:latin typeface="微軟正黑體" pitchFamily="34" charset="-120"/>
+                <a:ea typeface="微軟正黑體" pitchFamily="34" charset="-120"/>
+              </a:rPr>
               <a:t>榮耀之救主聽我之呼求</a:t>
             </a:r>
           </a:p>
@@ -3602,7 +3379,10 @@
               <a:buNone/>
             </a:pPr>
             <a:r>
-              <a:rPr lang="zh-TW" altLang="en-US" sz="5400" dirty="0"/>
+              <a:rPr lang="zh-TW" altLang="en-US" sz="5400" b="1" dirty="0">
+                <a:latin typeface="微軟正黑體" pitchFamily="34" charset="-120"/>
+                <a:ea typeface="微軟正黑體" pitchFamily="34" charset="-120"/>
+              </a:rPr>
               <a:t>降下聖靈火焚去罪污</a:t>
             </a:r>
           </a:p>
@@ -3611,7 +3391,10 @@
               <a:buNone/>
             </a:pPr>
             <a:r>
-              <a:rPr lang="zh-TW" altLang="en-US" sz="5400" dirty="0"/>
+              <a:rPr lang="zh-TW" altLang="en-US" sz="5400" b="1" dirty="0">
+                <a:latin typeface="微軟正黑體" pitchFamily="34" charset="-120"/>
+                <a:ea typeface="微軟正黑體" pitchFamily="34" charset="-120"/>
+              </a:rPr>
               <a:t>使心成聖殿合乎主居住</a:t>
             </a:r>
           </a:p>
@@ -3620,7 +3403,10 @@
               <a:buNone/>
             </a:pPr>
             <a:r>
-              <a:rPr lang="zh-TW" altLang="en-US" sz="5400" dirty="0"/>
+              <a:rPr lang="zh-TW" altLang="en-US" sz="5400" b="1" dirty="0">
+                <a:latin typeface="微軟正黑體" pitchFamily="34" charset="-120"/>
+                <a:ea typeface="微軟正黑體" pitchFamily="34" charset="-120"/>
+              </a:rPr>
               <a:t>更使我生命榮耀我主</a:t>
             </a:r>
           </a:p>
@@ -3663,39 +3449,50 @@
         </p:nvSpPr>
         <p:spPr/>
         <p:txBody>
-          <a:bodyPr/>
-          <a:lstStyle/>
-          <a:p>
-            <a:r>
-              <a:rPr lang="zh-CN" altLang="en-US" dirty="0" smtClean="0"/>
-              <a:t>像基督</a:t>
-            </a:r>
-            <a:endParaRPr lang="zh-TW" altLang="en-US" dirty="0"/>
-          </a:p>
-        </p:txBody>
-      </p:sp>
-      <p:sp>
-        <p:nvSpPr>
-          <p:cNvPr id="5" name="內容版面配置區 4"/>
-          <p:cNvSpPr>
-            <a:spLocks noGrp="1"/>
-          </p:cNvSpPr>
-          <p:nvPr>
-            <p:ph idx="1"/>
-          </p:nvPr>
-        </p:nvSpPr>
-        <p:spPr/>
-        <p:txBody>
           <a:bodyPr>
             <a:normAutofit/>
           </a:bodyPr>
           <a:lstStyle/>
           <a:p>
+            <a:r>
+              <a:rPr lang="zh-CN" altLang="en-US" b="1" dirty="0" smtClean="0">
+                <a:latin typeface="微軟正黑體" pitchFamily="34" charset="-120"/>
+                <a:ea typeface="微軟正黑體" pitchFamily="34" charset="-120"/>
+              </a:rPr>
+              <a:t>像基督</a:t>
+            </a:r>
+            <a:endParaRPr lang="zh-TW" altLang="en-US" b="1" dirty="0">
+              <a:latin typeface="微軟正黑體" pitchFamily="34" charset="-120"/>
+              <a:ea typeface="微軟正黑體" pitchFamily="34" charset="-120"/>
+            </a:endParaRPr>
+          </a:p>
+        </p:txBody>
+      </p:sp>
+      <p:sp>
+        <p:nvSpPr>
+          <p:cNvPr id="5" name="內容版面配置區 4"/>
+          <p:cNvSpPr>
+            <a:spLocks noGrp="1"/>
+          </p:cNvSpPr>
+          <p:nvPr>
+            <p:ph idx="1"/>
+          </p:nvPr>
+        </p:nvSpPr>
+        <p:spPr/>
+        <p:txBody>
+          <a:bodyPr>
+            <a:normAutofit/>
+          </a:bodyPr>
+          <a:lstStyle/>
+          <a:p>
             <a:pPr algn="ctr">
               <a:buNone/>
             </a:pPr>
             <a:r>
-              <a:rPr lang="zh-TW" altLang="en-US" sz="5400" dirty="0"/>
+              <a:rPr lang="zh-TW" altLang="en-US" sz="5400" b="1" dirty="0">
+                <a:latin typeface="微軟正黑體" pitchFamily="34" charset="-120"/>
+                <a:ea typeface="微軟正黑體" pitchFamily="34" charset="-120"/>
+              </a:rPr>
               <a:t>主我願像你 主我願像你</a:t>
             </a:r>
           </a:p>
@@ -3704,7 +3501,10 @@
               <a:buNone/>
             </a:pPr>
             <a:r>
-              <a:rPr lang="zh-TW" altLang="en-US" sz="5400" dirty="0"/>
+              <a:rPr lang="zh-TW" altLang="en-US" sz="5400" b="1" dirty="0">
+                <a:latin typeface="微軟正黑體" pitchFamily="34" charset="-120"/>
+                <a:ea typeface="微軟正黑體" pitchFamily="34" charset="-120"/>
+              </a:rPr>
               <a:t>榮耀之救主 潔淨像你</a:t>
             </a:r>
           </a:p>
@@ -3713,7 +3513,10 @@
               <a:buNone/>
             </a:pPr>
             <a:r>
-              <a:rPr lang="zh-TW" altLang="en-US" sz="5400" dirty="0"/>
+              <a:rPr lang="zh-TW" altLang="en-US" sz="5400" b="1" dirty="0">
+                <a:latin typeface="微軟正黑體" pitchFamily="34" charset="-120"/>
+                <a:ea typeface="微軟正黑體" pitchFamily="34" charset="-120"/>
+              </a:rPr>
               <a:t>願豐富恩典進入我心裡</a:t>
             </a:r>
           </a:p>
@@ -3722,7 +3525,10 @@
               <a:buNone/>
             </a:pPr>
             <a:r>
-              <a:rPr lang="zh-TW" altLang="en-US" sz="5400" dirty="0"/>
+              <a:rPr lang="zh-TW" altLang="en-US" sz="5400" b="1" dirty="0">
+                <a:latin typeface="微軟正黑體" pitchFamily="34" charset="-120"/>
+                <a:ea typeface="微軟正黑體" pitchFamily="34" charset="-120"/>
+              </a:rPr>
               <a:t>致主之榮形深印心裡</a:t>
             </a:r>
           </a:p>
@@ -3765,39 +3571,50 @@
         </p:nvSpPr>
         <p:spPr/>
         <p:txBody>
-          <a:bodyPr/>
-          <a:lstStyle/>
-          <a:p>
-            <a:r>
-              <a:rPr lang="zh-CN" altLang="en-US" dirty="0" smtClean="0"/>
-              <a:t>像基督</a:t>
-            </a:r>
-            <a:endParaRPr lang="zh-TW" altLang="en-US" dirty="0"/>
-          </a:p>
-        </p:txBody>
-      </p:sp>
-      <p:sp>
-        <p:nvSpPr>
-          <p:cNvPr id="5" name="內容版面配置區 4"/>
-          <p:cNvSpPr>
-            <a:spLocks noGrp="1"/>
-          </p:cNvSpPr>
-          <p:nvPr>
-            <p:ph idx="1"/>
-          </p:nvPr>
-        </p:nvSpPr>
-        <p:spPr/>
-        <p:txBody>
           <a:bodyPr>
             <a:normAutofit/>
           </a:bodyPr>
           <a:lstStyle/>
           <a:p>
+            <a:r>
+              <a:rPr lang="zh-CN" altLang="en-US" b="1" dirty="0" smtClean="0">
+                <a:latin typeface="微軟正黑體" pitchFamily="34" charset="-120"/>
+                <a:ea typeface="微軟正黑體" pitchFamily="34" charset="-120"/>
+              </a:rPr>
+              <a:t>像基督</a:t>
+            </a:r>
+            <a:endParaRPr lang="zh-TW" altLang="en-US" b="1" dirty="0">
+              <a:latin typeface="微軟正黑體" pitchFamily="34" charset="-120"/>
+              <a:ea typeface="微軟正黑體" pitchFamily="34" charset="-120"/>
+            </a:endParaRPr>
+          </a:p>
+        </p:txBody>
+      </p:sp>
+      <p:sp>
+        <p:nvSpPr>
+          <p:cNvPr id="5" name="內容版面配置區 4"/>
+          <p:cNvSpPr>
+            <a:spLocks noGrp="1"/>
+          </p:cNvSpPr>
+          <p:nvPr>
+            <p:ph idx="1"/>
+          </p:nvPr>
+        </p:nvSpPr>
+        <p:spPr/>
+        <p:txBody>
+          <a:bodyPr>
+            <a:normAutofit/>
+          </a:bodyPr>
+          <a:lstStyle/>
+          <a:p>
             <a:pPr algn="ctr">
               <a:buNone/>
             </a:pPr>
             <a:r>
-              <a:rPr lang="zh-TW" altLang="en-US" sz="5400" dirty="0"/>
+              <a:rPr lang="zh-TW" altLang="en-US" sz="5400" b="1" dirty="0">
+                <a:latin typeface="微軟正黑體" pitchFamily="34" charset="-120"/>
+                <a:ea typeface="微軟正黑體" pitchFamily="34" charset="-120"/>
+              </a:rPr>
               <a:t>主我願像你滿有憐憫心</a:t>
             </a:r>
           </a:p>
@@ -3806,7 +3623,10 @@
               <a:buNone/>
             </a:pPr>
             <a:r>
-              <a:rPr lang="zh-TW" altLang="en-US" sz="5400" dirty="0"/>
+              <a:rPr lang="zh-TW" altLang="en-US" sz="5400" b="1" dirty="0">
+                <a:latin typeface="微軟正黑體" pitchFamily="34" charset="-120"/>
+                <a:ea typeface="微軟正黑體" pitchFamily="34" charset="-120"/>
+              </a:rPr>
               <a:t>溫柔和良善謙卑愛人</a:t>
             </a:r>
           </a:p>
@@ -3815,7 +3635,10 @@
               <a:buNone/>
             </a:pPr>
             <a:r>
-              <a:rPr lang="zh-TW" altLang="en-US" sz="5400" dirty="0"/>
+              <a:rPr lang="zh-TW" altLang="en-US" sz="5400" b="1" dirty="0">
+                <a:latin typeface="微軟正黑體" pitchFamily="34" charset="-120"/>
+                <a:ea typeface="微軟正黑體" pitchFamily="34" charset="-120"/>
+              </a:rPr>
               <a:t>求主賜能力拯救迷亡羊</a:t>
             </a:r>
           </a:p>
@@ -3824,7 +3647,10 @@
               <a:buNone/>
             </a:pPr>
             <a:r>
-              <a:rPr lang="zh-TW" altLang="en-US" sz="5400" dirty="0"/>
+              <a:rPr lang="zh-TW" altLang="en-US" sz="5400" b="1" dirty="0">
+                <a:latin typeface="微軟正黑體" pitchFamily="34" charset="-120"/>
+                <a:ea typeface="微軟正黑體" pitchFamily="34" charset="-120"/>
+              </a:rPr>
               <a:t>尋找失喪者同歸天庭</a:t>
             </a:r>
           </a:p>
@@ -3867,39 +3693,50 @@
         </p:nvSpPr>
         <p:spPr/>
         <p:txBody>
-          <a:bodyPr/>
-          <a:lstStyle/>
-          <a:p>
-            <a:r>
-              <a:rPr lang="zh-CN" altLang="en-US" dirty="0" smtClean="0"/>
-              <a:t>像基督</a:t>
-            </a:r>
-            <a:endParaRPr lang="zh-TW" altLang="en-US" dirty="0"/>
-          </a:p>
-        </p:txBody>
-      </p:sp>
-      <p:sp>
-        <p:nvSpPr>
-          <p:cNvPr id="5" name="內容版面配置區 4"/>
-          <p:cNvSpPr>
-            <a:spLocks noGrp="1"/>
-          </p:cNvSpPr>
-          <p:nvPr>
-            <p:ph idx="1"/>
-          </p:nvPr>
-        </p:nvSpPr>
-        <p:spPr/>
-        <p:txBody>
           <a:bodyPr>
             <a:normAutofit/>
           </a:bodyPr>
           <a:lstStyle/>
           <a:p>
+            <a:r>
+              <a:rPr lang="zh-CN" altLang="en-US" b="1" dirty="0" smtClean="0">
+                <a:latin typeface="微軟正黑體" pitchFamily="34" charset="-120"/>
+                <a:ea typeface="微軟正黑體" pitchFamily="34" charset="-120"/>
+              </a:rPr>
+              <a:t>像基督</a:t>
+            </a:r>
+            <a:endParaRPr lang="zh-TW" altLang="en-US" b="1" dirty="0">
+              <a:latin typeface="微軟正黑體" pitchFamily="34" charset="-120"/>
+              <a:ea typeface="微軟正黑體" pitchFamily="34" charset="-120"/>
+            </a:endParaRPr>
+          </a:p>
+        </p:txBody>
+      </p:sp>
+      <p:sp>
+        <p:nvSpPr>
+          <p:cNvPr id="5" name="內容版面配置區 4"/>
+          <p:cNvSpPr>
+            <a:spLocks noGrp="1"/>
+          </p:cNvSpPr>
+          <p:nvPr>
+            <p:ph idx="1"/>
+          </p:nvPr>
+        </p:nvSpPr>
+        <p:spPr/>
+        <p:txBody>
+          <a:bodyPr>
+            <a:normAutofit/>
+          </a:bodyPr>
+          <a:lstStyle/>
+          <a:p>
             <a:pPr algn="ctr">
               <a:buNone/>
             </a:pPr>
             <a:r>
-              <a:rPr lang="zh-TW" altLang="en-US" sz="5400" dirty="0"/>
+              <a:rPr lang="zh-TW" altLang="en-US" sz="5400" b="1" dirty="0">
+                <a:latin typeface="微軟正黑體" pitchFamily="34" charset="-120"/>
+                <a:ea typeface="微軟正黑體" pitchFamily="34" charset="-120"/>
+              </a:rPr>
               <a:t>主我願像你 主我願像你</a:t>
             </a:r>
           </a:p>
@@ -3908,7 +3745,10 @@
               <a:buNone/>
             </a:pPr>
             <a:r>
-              <a:rPr lang="zh-TW" altLang="en-US" sz="5400" dirty="0"/>
+              <a:rPr lang="zh-TW" altLang="en-US" sz="5400" b="1" dirty="0">
+                <a:latin typeface="微軟正黑體" pitchFamily="34" charset="-120"/>
+                <a:ea typeface="微軟正黑體" pitchFamily="34" charset="-120"/>
+              </a:rPr>
               <a:t>榮耀之救主 潔淨像你</a:t>
             </a:r>
           </a:p>
@@ -3917,7 +3757,10 @@
               <a:buNone/>
             </a:pPr>
             <a:r>
-              <a:rPr lang="zh-TW" altLang="en-US" sz="5400" dirty="0"/>
+              <a:rPr lang="zh-TW" altLang="en-US" sz="5400" b="1" dirty="0">
+                <a:latin typeface="微軟正黑體" pitchFamily="34" charset="-120"/>
+                <a:ea typeface="微軟正黑體" pitchFamily="34" charset="-120"/>
+              </a:rPr>
               <a:t>願豐富恩典進入我心裡</a:t>
             </a:r>
           </a:p>
@@ -3926,7 +3769,10 @@
               <a:buNone/>
             </a:pPr>
             <a:r>
-              <a:rPr lang="zh-TW" altLang="en-US" sz="5400" dirty="0"/>
+              <a:rPr lang="zh-TW" altLang="en-US" sz="5400" b="1" dirty="0">
+                <a:latin typeface="微軟正黑體" pitchFamily="34" charset="-120"/>
+                <a:ea typeface="微軟正黑體" pitchFamily="34" charset="-120"/>
+              </a:rPr>
               <a:t>致主之榮形深印心裡</a:t>
             </a:r>
           </a:p>
@@ -3941,9 +3787,9 @@
 </file>
 
 <file path=ppt/theme/theme1.xml><?xml version="1.0" encoding="utf-8"?>
-<a:theme xmlns:a="http://schemas.openxmlformats.org/drawingml/2006/main" name="佈景主題5">
+<a:theme xmlns:a="http://schemas.openxmlformats.org/drawingml/2006/main" name="佈景主題1">
   <a:themeElements>
-    <a:clrScheme name="Yamato Painting">
+    <a:clrScheme name="Office">
       <a:dk1>
         <a:sysClr val="windowText" lastClr="000000"/>
       </a:dk1>
@@ -3951,28 +3797,28 @@
         <a:sysClr val="window" lastClr="FFFFFF"/>
       </a:lt1>
       <a:dk2>
-        <a:srgbClr val="3F2D32"/>
+        <a:srgbClr val="1F497D"/>
       </a:dk2>
       <a:lt2>
-        <a:srgbClr val="FEDD00"/>
+        <a:srgbClr val="EEECE1"/>
       </a:lt2>
       <a:accent1>
-        <a:srgbClr val="C24400"/>
+        <a:srgbClr val="4F81BD"/>
       </a:accent1>
       <a:accent2>
-        <a:srgbClr val="3F7228"/>
+        <a:srgbClr val="C0504D"/>
       </a:accent2>
       <a:accent3>
-        <a:srgbClr val="516086"/>
+        <a:srgbClr val="9BBB59"/>
       </a:accent3>
       <a:accent4>
-        <a:srgbClr val="956A86"/>
+        <a:srgbClr val="8064A2"/>
       </a:accent4>
       <a:accent5>
-        <a:srgbClr val="E87981"/>
+        <a:srgbClr val="4BACC6"/>
       </a:accent5>
       <a:accent6>
-        <a:srgbClr val="8D8628"/>
+        <a:srgbClr val="F79646"/>
       </a:accent6>
       <a:hlink>
         <a:srgbClr val="0000FF"/>
@@ -3981,18 +3827,52 @@
         <a:srgbClr val="800080"/>
       </a:folHlink>
     </a:clrScheme>
-    <a:fontScheme name="Yamato Painting">
+    <a:fontScheme name="Office">
       <a:majorFont>
         <a:latin typeface="Calibri"/>
         <a:ea typeface=""/>
         <a:cs typeface=""/>
         <a:font script="Jpan" typeface="ＭＳ Ｐゴシック"/>
         <a:font script="Hang" typeface="맑은 고딕"/>
-        <a:font script="Hans" typeface="黑体"/>
-        <a:font script="Hant" typeface="微軟正黑體"/>
-        <a:font script="Arab" typeface="Tahoma"/>
-        <a:font script="Hebr" typeface="Tahoma"/>
-        <a:font script="Thai" typeface="Tahoma"/>
+        <a:font script="Hans" typeface="宋体"/>
+        <a:font script="Hant" typeface="新細明體"/>
+        <a:font script="Arab" typeface="Times New Roman"/>
+        <a:font script="Hebr" typeface="Times New Roman"/>
+        <a:font script="Thai" typeface="Angsana New"/>
+        <a:font script="Ethi" typeface="Nyala"/>
+        <a:font script="Beng" typeface="Vrinda"/>
+        <a:font script="Gujr" typeface="Shruti"/>
+        <a:font script="Khmr" typeface="MoolBoran"/>
+        <a:font script="Knda" typeface="Tunga"/>
+        <a:font script="Guru" typeface="Raavi"/>
+        <a:font script="Cans" typeface="Euphemia"/>
+        <a:font script="Cher" typeface="Plantagenet Cherokee"/>
+        <a:font script="Yiii" typeface="Microsoft Yi Baiti"/>
+        <a:font script="Tibt" typeface="Microsoft Himalaya"/>
+        <a:font script="Thaa" typeface="MV Boli"/>
+        <a:font script="Deva" typeface="Mangal"/>
+        <a:font script="Telu" typeface="Gautami"/>
+        <a:font script="Taml" typeface="Latha"/>
+        <a:font script="Syrc" typeface="Estrangelo Edessa"/>
+        <a:font script="Orya" typeface="Kalinga"/>
+        <a:font script="Mlym" typeface="Kartika"/>
+        <a:font script="Laoo" typeface="DokChampa"/>
+        <a:font script="Sinh" typeface="Iskoola Pota"/>
+        <a:font script="Mong" typeface="Mongolian Baiti"/>
+        <a:font script="Viet" typeface="Times New Roman"/>
+        <a:font script="Uigh" typeface="Microsoft Uighur"/>
+      </a:majorFont>
+      <a:minorFont>
+        <a:latin typeface="Calibri"/>
+        <a:ea typeface=""/>
+        <a:cs typeface=""/>
+        <a:font script="Jpan" typeface="ＭＳ Ｐゴシック"/>
+        <a:font script="Hang" typeface="맑은 고딕"/>
+        <a:font script="Hans" typeface="宋体"/>
+        <a:font script="Hant" typeface="新細明體"/>
+        <a:font script="Arab" typeface="Arial"/>
+        <a:font script="Hebr" typeface="Arial"/>
+        <a:font script="Thai" typeface="Cordia New"/>
         <a:font script="Ethi" typeface="Nyala"/>
         <a:font script="Beng" typeface="Vrinda"/>
         <a:font script="Gujr" typeface="Shruti"/>
@@ -4013,101 +3893,81 @@
         <a:font script="Laoo" typeface="DokChampa"/>
         <a:font script="Sinh" typeface="Iskoola Pota"/>
         <a:font script="Mong" typeface="Mongolian Baiti"/>
-        <a:font script="Viet" typeface="Tahoma"/>
-        <a:font script="Uigh" typeface="Microsoft Uighur"/>
-      </a:majorFont>
-      <a:minorFont>
-        <a:latin typeface="Calibri"/>
-        <a:ea typeface=""/>
-        <a:cs typeface=""/>
-        <a:font script="Jpan" typeface="ＭＳ Ｐゴシック"/>
-        <a:font script="Hang" typeface="맑은 고딕"/>
-        <a:font script="Hans" typeface="宋体"/>
-        <a:font script="Hant" typeface="微軟正黑體"/>
-        <a:font script="Arab" typeface="Tahoma"/>
-        <a:font script="Hebr" typeface="Tahoma"/>
-        <a:font script="Thai" typeface="Tahoma"/>
-        <a:font script="Ethi" typeface="Nyala"/>
-        <a:font script="Beng" typeface="Vrinda"/>
-        <a:font script="Gujr" typeface="Shruti"/>
-        <a:font script="Khmr" typeface="DaunPenh"/>
-        <a:font script="Knda" typeface="Tunga"/>
-        <a:font script="Guru" typeface="Raavi"/>
-        <a:font script="Cans" typeface="Euphemia"/>
-        <a:font script="Cher" typeface="Plantagenet Cherokee"/>
-        <a:font script="Yiii" typeface="Microsoft Yi Baiti"/>
-        <a:font script="Tibt" typeface="Microsoft Himalaya"/>
-        <a:font script="Thaa" typeface="MV Boli"/>
-        <a:font script="Deva" typeface="Mangal"/>
-        <a:font script="Telu" typeface="Gautami"/>
-        <a:font script="Taml" typeface="Latha"/>
-        <a:font script="Syrc" typeface="Estrangelo Edessa"/>
-        <a:font script="Orya" typeface="Kalinga"/>
-        <a:font script="Mlym" typeface="Kartika"/>
-        <a:font script="Laoo" typeface="DokChampa"/>
-        <a:font script="Sinh" typeface="Iskoola Pota"/>
-        <a:font script="Mong" typeface="Mongolian Baiti"/>
-        <a:font script="Viet" typeface="Tahoma"/>
+        <a:font script="Viet" typeface="Arial"/>
         <a:font script="Uigh" typeface="Microsoft Uighur"/>
       </a:minorFont>
     </a:fontScheme>
-    <a:fmtScheme name="Yamato Painting">
+    <a:fmtScheme name="Office">
       <a:fillStyleLst>
         <a:solidFill>
-          <a:schemeClr val="phClr">
-            <a:tint val="100000"/>
-          </a:schemeClr>
+          <a:schemeClr val="phClr"/>
         </a:solidFill>
-        <a:gradFill>
+        <a:gradFill rotWithShape="1">
           <a:gsLst>
             <a:gs pos="0">
               <a:schemeClr val="phClr">
-                <a:tint val="100000"/>
+                <a:tint val="50000"/>
+                <a:satMod val="300000"/>
+              </a:schemeClr>
+            </a:gs>
+            <a:gs pos="35000">
+              <a:schemeClr val="phClr">
+                <a:tint val="37000"/>
+                <a:satMod val="300000"/>
               </a:schemeClr>
             </a:gs>
             <a:gs pos="100000">
               <a:schemeClr val="phClr">
-                <a:tint val="100000"/>
-                <a:shade val="20000"/>
+                <a:tint val="15000"/>
+                <a:satMod val="350000"/>
               </a:schemeClr>
             </a:gs>
           </a:gsLst>
-          <a:lin ang="5400000" scaled="1"/>
+          <a:lin ang="16200000" scaled="1"/>
         </a:gradFill>
-        <a:blipFill>
-          <a:blip xmlns:r="http://schemas.openxmlformats.org/officeDocument/2006/relationships" r:embed="rId1">
-            <a:duotone>
-              <a:srgbClr val="000000"/>
+        <a:gradFill rotWithShape="1">
+          <a:gsLst>
+            <a:gs pos="0">
               <a:schemeClr val="phClr">
-                <a:tint val="100000"/>
+                <a:shade val="51000"/>
+                <a:satMod val="130000"/>
               </a:schemeClr>
-            </a:duotone>
-          </a:blip>
-          <a:tile tx="0" ty="0" sx="35000" sy="35000" flip="none" algn="tl"/>
-        </a:blipFill>
+            </a:gs>
+            <a:gs pos="80000">
+              <a:schemeClr val="phClr">
+                <a:shade val="93000"/>
+                <a:satMod val="130000"/>
+              </a:schemeClr>
+            </a:gs>
+            <a:gs pos="100000">
+              <a:schemeClr val="phClr">
+                <a:shade val="94000"/>
+                <a:satMod val="135000"/>
+              </a:schemeClr>
+            </a:gs>
+          </a:gsLst>
+          <a:lin ang="16200000" scaled="0"/>
+        </a:gradFill>
       </a:fillStyleLst>
       <a:lnStyleLst>
         <a:ln w="9525" cap="flat" cmpd="sng" algn="ctr">
           <a:solidFill>
             <a:schemeClr val="phClr">
-              <a:alpha val="60000"/>
+              <a:shade val="95000"/>
+              <a:satMod val="105000"/>
             </a:schemeClr>
           </a:solidFill>
           <a:prstDash val="solid"/>
         </a:ln>
-        <a:ln w="19525" cap="flat" cmpd="sng" algn="ctr">
+        <a:ln w="25400" cap="flat" cmpd="sng" algn="ctr">
           <a:solidFill>
-            <a:schemeClr val="phClr">
-              <a:alpha val="90000"/>
-            </a:schemeClr>
+            <a:schemeClr val="phClr"/>
           </a:solidFill>
           <a:prstDash val="solid"/>
         </a:ln>
         <a:ln w="38100" cap="flat" cmpd="sng" algn="ctr">
           <a:solidFill>
-            <a:schemeClr val="phClr">
-              <a:alpha val="100000"/>
-            </a:schemeClr>
+            <a:schemeClr val="phClr"/>
           </a:solidFill>
           <a:prstDash val="solid"/>
         </a:ln>
@@ -4115,98 +3975,92 @@
       <a:effectStyleLst>
         <a:effectStyle>
           <a:effectLst>
-            <a:outerShdw blurRad="50800" algn="tl" rotWithShape="0">
+            <a:outerShdw blurRad="40000" dist="20000" dir="5400000" rotWithShape="0">
               <a:srgbClr val="000000">
-                <a:alpha val="64000"/>
+                <a:alpha val="38000"/>
               </a:srgbClr>
             </a:outerShdw>
           </a:effectLst>
         </a:effectStyle>
         <a:effectStyle>
           <a:effectLst>
-            <a:outerShdw blurRad="50800" algn="tl" rotWithShape="0">
+            <a:outerShdw blurRad="40000" dist="23000" dir="5400000" rotWithShape="0">
               <a:srgbClr val="000000">
-                <a:alpha val="64000"/>
+                <a:alpha val="35000"/>
+              </a:srgbClr>
+            </a:outerShdw>
+          </a:effectLst>
+        </a:effectStyle>
+        <a:effectStyle>
+          <a:effectLst>
+            <a:outerShdw blurRad="40000" dist="23000" dir="5400000" rotWithShape="0">
+              <a:srgbClr val="000000">
+                <a:alpha val="35000"/>
               </a:srgbClr>
             </a:outerShdw>
           </a:effectLst>
           <a:scene3d>
-            <a:camera prst="orthographicFront"/>
-            <a:lightRig rig="soft" dir="tl">
+            <a:camera prst="orthographicFront">
               <a:rot lat="0" lon="0" rev="0"/>
+            </a:camera>
+            <a:lightRig rig="threePt" dir="t">
+              <a:rot lat="0" lon="0" rev="1200000"/>
             </a:lightRig>
           </a:scene3d>
           <a:sp3d>
-            <a:bevelT prst="angle"/>
-            <a:bevelB w="304800" h="44450"/>
-            <a:contourClr>
-              <a:schemeClr val="phClr">
-                <a:shade val="60000"/>
-                <a:satMod val="110000"/>
-              </a:schemeClr>
-            </a:contourClr>
-          </a:sp3d>
-        </a:effectStyle>
-        <a:effectStyle>
-          <a:effectLst>
-            <a:glow rad="51600">
-              <a:schemeClr val="phClr">
-                <a:alpha val="60000"/>
-              </a:schemeClr>
-            </a:glow>
-          </a:effectLst>
-          <a:scene3d>
-            <a:camera prst="orthographicFront"/>
-            <a:lightRig rig="threePt" dir="t"/>
-          </a:scene3d>
-          <a:sp3d>
-            <a:bevelT w="165100" prst="coolSlant"/>
-            <a:contourClr>
-              <a:schemeClr val="phClr">
-                <a:shade val="60000"/>
-                <a:satMod val="110000"/>
-              </a:schemeClr>
-            </a:contourClr>
+            <a:bevelT w="63500" h="25400"/>
           </a:sp3d>
         </a:effectStyle>
       </a:effectStyleLst>
       <a:bgFillStyleLst>
         <a:solidFill>
-          <a:schemeClr val="phClr">
-            <a:shade val="90000"/>
-          </a:schemeClr>
+          <a:schemeClr val="phClr"/>
         </a:solidFill>
-        <a:blipFill>
-          <a:blip xmlns:r="http://schemas.openxmlformats.org/officeDocument/2006/relationships" r:embed="rId2">
-            <a:duotone>
+        <a:gradFill rotWithShape="1">
+          <a:gsLst>
+            <a:gs pos="0">
               <a:schemeClr val="phClr">
-                <a:tint val="100000"/>
-                <a:shade val="5000"/>
+                <a:tint val="40000"/>
+                <a:satMod val="350000"/>
               </a:schemeClr>
+            </a:gs>
+            <a:gs pos="40000">
               <a:schemeClr val="phClr">
-                <a:shade val="100000"/>
+                <a:tint val="45000"/>
+                <a:shade val="99000"/>
+                <a:satMod val="350000"/>
               </a:schemeClr>
-            </a:duotone>
-          </a:blip>
-          <a:tile tx="0" ty="0" sx="120000" sy="120000" flip="xy" algn="t"/>
-        </a:blipFill>
-        <a:blipFill rotWithShape="0">
-          <a:blip xmlns:r="http://schemas.openxmlformats.org/officeDocument/2006/relationships" r:embed="rId3">
-            <a:duotone>
+            </a:gs>
+            <a:gs pos="100000">
               <a:schemeClr val="phClr">
-                <a:tint val="100000"/>
-                <a:shade val="5000"/>
+                <a:shade val="20000"/>
+                <a:satMod val="255000"/>
               </a:schemeClr>
+            </a:gs>
+          </a:gsLst>
+          <a:path path="circle">
+            <a:fillToRect l="50000" t="-80000" r="50000" b="180000"/>
+          </a:path>
+        </a:gradFill>
+        <a:gradFill rotWithShape="1">
+          <a:gsLst>
+            <a:gs pos="0">
               <a:schemeClr val="phClr">
-                <a:shade val="100000"/>
+                <a:tint val="80000"/>
+                <a:satMod val="300000"/>
               </a:schemeClr>
-            </a:duotone>
-          </a:blip>
-          <a:srcRect/>
-          <a:stretch>
-            <a:fillRect/>
-          </a:stretch>
-        </a:blipFill>
+            </a:gs>
+            <a:gs pos="100000">
+              <a:schemeClr val="phClr">
+                <a:shade val="30000"/>
+                <a:satMod val="200000"/>
+              </a:schemeClr>
+            </a:gs>
+          </a:gsLst>
+          <a:path path="circle">
+            <a:fillToRect l="50000" t="50000" r="50000" b="50000"/>
+          </a:path>
+        </a:gradFill>
       </a:bgFillStyleLst>
     </a:fmtScheme>
   </a:themeElements>
